--- a/Vega Presentation Slides.pptx
+++ b/Vega Presentation Slides.pptx
@@ -116,6 +116,9 @@
   <p:extLst>
     <p:ext uri="{EFAFB233-063F-42B5-8137-9DF3F51BA10A}">
       <p15:sldGuideLst xmlns:p15="http://schemas.microsoft.com/office/powerpoint/2012/main"/>
+    </p:ext>
+    <p:ext uri="{2D200454-40CA-4A62-9FC3-DE9A4176ACB9}">
+      <p15:notesGuideLst xmlns:p15="http://schemas.microsoft.com/office/powerpoint/2012/main"/>
     </p:ext>
   </p:extLst>
 </p:presentation>
@@ -2722,285 +2725,6 @@
           <a:chExt cx="0" cy="0"/>
         </a:xfrm>
       </p:grpSpPr>
-      <p:grpSp>
-        <p:nvGrpSpPr>
-          <p:cNvPr id="6" name="Group 5">
-            <a:extLst>
-              <a:ext uri="{FF2B5EF4-FFF2-40B4-BE49-F238E27FC236}">
-                <a16:creationId xmlns:a16="http://schemas.microsoft.com/office/drawing/2014/main" id="{C6402086-6FB7-4EFF-B554-669FF5F4730E}"/>
-              </a:ext>
-            </a:extLst>
-          </p:cNvPr>
-          <p:cNvGrpSpPr/>
-          <p:nvPr/>
-        </p:nvGrpSpPr>
-        <p:grpSpPr>
-          <a:xfrm>
-            <a:off x="579120" y="3011967"/>
-            <a:ext cx="11033760" cy="313113"/>
-            <a:chOff x="592975" y="2272145"/>
-            <a:chExt cx="11033760" cy="313113"/>
-          </a:xfrm>
-        </p:grpSpPr>
-        <p:grpSp>
-          <p:nvGrpSpPr>
-            <p:cNvPr id="7" name="Group 6">
-              <a:extLst>
-                <a:ext uri="{FF2B5EF4-FFF2-40B4-BE49-F238E27FC236}">
-                  <a16:creationId xmlns:a16="http://schemas.microsoft.com/office/drawing/2014/main" id="{A0FD253F-1512-4CB8-B778-D12A2D552758}"/>
-                </a:ext>
-              </a:extLst>
-            </p:cNvPr>
-            <p:cNvGrpSpPr/>
-            <p:nvPr/>
-          </p:nvGrpSpPr>
-          <p:grpSpPr>
-            <a:xfrm>
-              <a:off x="592975" y="2272145"/>
-              <a:ext cx="5109556" cy="310342"/>
-              <a:chOff x="592975" y="2272145"/>
-              <a:chExt cx="5109556" cy="310342"/>
-            </a:xfrm>
-          </p:grpSpPr>
-          <p:cxnSp>
-            <p:nvCxnSpPr>
-              <p:cNvPr id="11" name="Straight Connector 10">
-                <a:extLst>
-                  <a:ext uri="{FF2B5EF4-FFF2-40B4-BE49-F238E27FC236}">
-                    <a16:creationId xmlns:a16="http://schemas.microsoft.com/office/drawing/2014/main" id="{F7E138BA-6D4D-4B56-A26E-4BA9B5ADB5E5}"/>
-                  </a:ext>
-                </a:extLst>
-              </p:cNvPr>
-              <p:cNvCxnSpPr>
-                <a:cxnSpLocks/>
-              </p:cNvCxnSpPr>
-              <p:nvPr/>
-            </p:nvCxnSpPr>
-            <p:spPr>
-              <a:xfrm>
-                <a:off x="838200" y="2414232"/>
-                <a:ext cx="4572000" cy="0"/>
-              </a:xfrm>
-              <a:prstGeom prst="line">
-                <a:avLst/>
-              </a:prstGeom>
-              <a:ln w="28575">
-                <a:solidFill>
-                  <a:srgbClr val="C0C0C0"/>
-                </a:solidFill>
-              </a:ln>
-            </p:spPr>
-            <p:style>
-              <a:lnRef idx="1">
-                <a:schemeClr val="accent1"/>
-              </a:lnRef>
-              <a:fillRef idx="0">
-                <a:schemeClr val="accent1"/>
-              </a:fillRef>
-              <a:effectRef idx="0">
-                <a:schemeClr val="accent1"/>
-              </a:effectRef>
-              <a:fontRef idx="minor">
-                <a:schemeClr val="tx1"/>
-              </a:fontRef>
-            </p:style>
-          </p:cxnSp>
-          <p:sp>
-            <p:nvSpPr>
-              <p:cNvPr id="12" name="Rectangle 11">
-                <a:extLst>
-                  <a:ext uri="{FF2B5EF4-FFF2-40B4-BE49-F238E27FC236}">
-                    <a16:creationId xmlns:a16="http://schemas.microsoft.com/office/drawing/2014/main" id="{1640A3FF-95B3-48F7-B5E9-BB85EEBAF970}"/>
-                  </a:ext>
-                </a:extLst>
-              </p:cNvPr>
-              <p:cNvSpPr/>
-              <p:nvPr/>
-            </p:nvSpPr>
-            <p:spPr>
-              <a:xfrm>
-                <a:off x="592975" y="2272145"/>
-                <a:ext cx="5109556" cy="310342"/>
-              </a:xfrm>
-              <a:prstGeom prst="rect">
-                <a:avLst/>
-              </a:prstGeom>
-              <a:gradFill flip="none" rotWithShape="1">
-                <a:gsLst>
-                  <a:gs pos="0">
-                    <a:schemeClr val="bg1">
-                      <a:alpha val="0"/>
-                    </a:schemeClr>
-                  </a:gs>
-                  <a:gs pos="85000">
-                    <a:schemeClr val="bg1"/>
-                  </a:gs>
-                </a:gsLst>
-                <a:path path="circle">
-                  <a:fillToRect l="50000" t="50000" r="50000" b="50000"/>
-                </a:path>
-                <a:tileRect/>
-              </a:gradFill>
-              <a:ln>
-                <a:noFill/>
-              </a:ln>
-            </p:spPr>
-            <p:style>
-              <a:lnRef idx="2">
-                <a:schemeClr val="accent1">
-                  <a:shade val="50000"/>
-                </a:schemeClr>
-              </a:lnRef>
-              <a:fillRef idx="1">
-                <a:schemeClr val="accent1"/>
-              </a:fillRef>
-              <a:effectRef idx="0">
-                <a:schemeClr val="accent1"/>
-              </a:effectRef>
-              <a:fontRef idx="minor">
-                <a:schemeClr val="lt1"/>
-              </a:fontRef>
-            </p:style>
-            <p:txBody>
-              <a:bodyPr rtlCol="0" anchor="ctr"/>
-              <a:lstStyle/>
-              <a:p>
-                <a:pPr algn="ctr"/>
-                <a:endParaRPr lang="en-US" dirty="0"/>
-              </a:p>
-            </p:txBody>
-          </p:sp>
-        </p:grpSp>
-        <p:grpSp>
-          <p:nvGrpSpPr>
-            <p:cNvPr id="8" name="Group 7">
-              <a:extLst>
-                <a:ext uri="{FF2B5EF4-FFF2-40B4-BE49-F238E27FC236}">
-                  <a16:creationId xmlns:a16="http://schemas.microsoft.com/office/drawing/2014/main" id="{092C18DC-B2DA-4DCF-A4D5-374FFB336DE0}"/>
-                </a:ext>
-              </a:extLst>
-            </p:cNvPr>
-            <p:cNvGrpSpPr/>
-            <p:nvPr/>
-          </p:nvGrpSpPr>
-          <p:grpSpPr>
-            <a:xfrm>
-              <a:off x="6517179" y="2274916"/>
-              <a:ext cx="5109556" cy="310342"/>
-              <a:chOff x="592975" y="2272145"/>
-              <a:chExt cx="5109556" cy="310342"/>
-            </a:xfrm>
-          </p:grpSpPr>
-          <p:cxnSp>
-            <p:nvCxnSpPr>
-              <p:cNvPr id="9" name="Straight Connector 8">
-                <a:extLst>
-                  <a:ext uri="{FF2B5EF4-FFF2-40B4-BE49-F238E27FC236}">
-                    <a16:creationId xmlns:a16="http://schemas.microsoft.com/office/drawing/2014/main" id="{5D9AB127-5664-4365-899F-079371F754FB}"/>
-                  </a:ext>
-                </a:extLst>
-              </p:cNvPr>
-              <p:cNvCxnSpPr>
-                <a:cxnSpLocks/>
-              </p:cNvCxnSpPr>
-              <p:nvPr/>
-            </p:nvCxnSpPr>
-            <p:spPr>
-              <a:xfrm>
-                <a:off x="838200" y="2414232"/>
-                <a:ext cx="4572000" cy="0"/>
-              </a:xfrm>
-              <a:prstGeom prst="line">
-                <a:avLst/>
-              </a:prstGeom>
-              <a:ln w="28575">
-                <a:solidFill>
-                  <a:srgbClr val="C0C0C0"/>
-                </a:solidFill>
-              </a:ln>
-            </p:spPr>
-            <p:style>
-              <a:lnRef idx="1">
-                <a:schemeClr val="accent1"/>
-              </a:lnRef>
-              <a:fillRef idx="0">
-                <a:schemeClr val="accent1"/>
-              </a:fillRef>
-              <a:effectRef idx="0">
-                <a:schemeClr val="accent1"/>
-              </a:effectRef>
-              <a:fontRef idx="minor">
-                <a:schemeClr val="tx1"/>
-              </a:fontRef>
-            </p:style>
-          </p:cxnSp>
-          <p:sp>
-            <p:nvSpPr>
-              <p:cNvPr id="10" name="Rectangle 9">
-                <a:extLst>
-                  <a:ext uri="{FF2B5EF4-FFF2-40B4-BE49-F238E27FC236}">
-                    <a16:creationId xmlns:a16="http://schemas.microsoft.com/office/drawing/2014/main" id="{AAE0DCFD-1B0D-46E6-A975-688530472026}"/>
-                  </a:ext>
-                </a:extLst>
-              </p:cNvPr>
-              <p:cNvSpPr/>
-              <p:nvPr/>
-            </p:nvSpPr>
-            <p:spPr>
-              <a:xfrm>
-                <a:off x="592975" y="2272145"/>
-                <a:ext cx="5109556" cy="310342"/>
-              </a:xfrm>
-              <a:prstGeom prst="rect">
-                <a:avLst/>
-              </a:prstGeom>
-              <a:gradFill flip="none" rotWithShape="1">
-                <a:gsLst>
-                  <a:gs pos="0">
-                    <a:schemeClr val="bg1">
-                      <a:alpha val="0"/>
-                    </a:schemeClr>
-                  </a:gs>
-                  <a:gs pos="85000">
-                    <a:schemeClr val="bg1"/>
-                  </a:gs>
-                </a:gsLst>
-                <a:path path="circle">
-                  <a:fillToRect l="50000" t="50000" r="50000" b="50000"/>
-                </a:path>
-                <a:tileRect/>
-              </a:gradFill>
-              <a:ln>
-                <a:noFill/>
-              </a:ln>
-            </p:spPr>
-            <p:style>
-              <a:lnRef idx="2">
-                <a:schemeClr val="accent1">
-                  <a:shade val="50000"/>
-                </a:schemeClr>
-              </a:lnRef>
-              <a:fillRef idx="1">
-                <a:schemeClr val="accent1"/>
-              </a:fillRef>
-              <a:effectRef idx="0">
-                <a:schemeClr val="accent1"/>
-              </a:effectRef>
-              <a:fontRef idx="minor">
-                <a:schemeClr val="lt1"/>
-              </a:fontRef>
-            </p:style>
-            <p:txBody>
-              <a:bodyPr rtlCol="0" anchor="ctr"/>
-              <a:lstStyle/>
-              <a:p>
-                <a:pPr algn="ctr"/>
-                <a:endParaRPr lang="en-US" dirty="0"/>
-              </a:p>
-            </p:txBody>
-          </p:sp>
-        </p:grpSp>
-      </p:grpSp>
       <p:sp>
         <p:nvSpPr>
           <p:cNvPr id="3" name="Title 2">
@@ -3029,413 +2753,713 @@
           </a:p>
         </p:txBody>
       </p:sp>
-      <p:sp>
-        <p:nvSpPr>
-          <p:cNvPr id="4" name="Content Placeholder 1">
+      <p:grpSp>
+        <p:nvGrpSpPr>
+          <p:cNvPr id="2" name="Group 1">
             <a:extLst>
               <a:ext uri="{FF2B5EF4-FFF2-40B4-BE49-F238E27FC236}">
-                <a16:creationId xmlns:a16="http://schemas.microsoft.com/office/drawing/2014/main" id="{5CE45E73-1671-4653-B761-88C2FC928026}"/>
+                <a16:creationId xmlns:a16="http://schemas.microsoft.com/office/drawing/2014/main" id="{3A2D0C72-1195-416B-B326-405B6593C973}"/>
               </a:ext>
             </a:extLst>
           </p:cNvPr>
-          <p:cNvSpPr txBox="1">
-            <a:spLocks/>
-          </p:cNvSpPr>
+          <p:cNvGrpSpPr/>
           <p:nvPr/>
-        </p:nvSpPr>
-        <p:spPr>
+        </p:nvGrpSpPr>
+        <p:grpSpPr>
           <a:xfrm>
-            <a:off x="6767945" y="2717847"/>
-            <a:ext cx="4572000" cy="3015150"/>
+            <a:off x="423949" y="2745556"/>
+            <a:ext cx="11033760" cy="3015153"/>
+            <a:chOff x="579120" y="2717847"/>
+            <a:chExt cx="11033760" cy="3015153"/>
           </a:xfrm>
-          <a:prstGeom prst="rect">
-            <a:avLst/>
-          </a:prstGeom>
-        </p:spPr>
-        <p:txBody>
-          <a:bodyPr/>
-          <a:lstStyle>
-            <a:lvl1pPr marL="228600" indent="-228600" algn="l" defTabSz="914400" rtl="0" eaLnBrk="1" latinLnBrk="0" hangingPunct="1">
-              <a:lnSpc>
-                <a:spcPct val="90000"/>
-              </a:lnSpc>
-              <a:spcBef>
-                <a:spcPts val="1000"/>
-              </a:spcBef>
-              <a:buFont typeface="Arial" panose="020B0604020202020204" pitchFamily="34" charset="0"/>
-              <a:buChar char="•"/>
-              <a:defRPr sz="2800" kern="1200">
-                <a:solidFill>
+        </p:grpSpPr>
+        <p:grpSp>
+          <p:nvGrpSpPr>
+            <p:cNvPr id="6" name="Group 5">
+              <a:extLst>
+                <a:ext uri="{FF2B5EF4-FFF2-40B4-BE49-F238E27FC236}">
+                  <a16:creationId xmlns:a16="http://schemas.microsoft.com/office/drawing/2014/main" id="{C6402086-6FB7-4EFF-B554-669FF5F4730E}"/>
+                </a:ext>
+              </a:extLst>
+            </p:cNvPr>
+            <p:cNvGrpSpPr/>
+            <p:nvPr/>
+          </p:nvGrpSpPr>
+          <p:grpSpPr>
+            <a:xfrm>
+              <a:off x="579120" y="3011967"/>
+              <a:ext cx="11033760" cy="313113"/>
+              <a:chOff x="592975" y="2272145"/>
+              <a:chExt cx="11033760" cy="313113"/>
+            </a:xfrm>
+          </p:grpSpPr>
+          <p:grpSp>
+            <p:nvGrpSpPr>
+              <p:cNvPr id="7" name="Group 6">
+                <a:extLst>
+                  <a:ext uri="{FF2B5EF4-FFF2-40B4-BE49-F238E27FC236}">
+                    <a16:creationId xmlns:a16="http://schemas.microsoft.com/office/drawing/2014/main" id="{A0FD253F-1512-4CB8-B778-D12A2D552758}"/>
+                  </a:ext>
+                </a:extLst>
+              </p:cNvPr>
+              <p:cNvGrpSpPr/>
+              <p:nvPr/>
+            </p:nvGrpSpPr>
+            <p:grpSpPr>
+              <a:xfrm>
+                <a:off x="592975" y="2272145"/>
+                <a:ext cx="5109556" cy="310342"/>
+                <a:chOff x="592975" y="2272145"/>
+                <a:chExt cx="5109556" cy="310342"/>
+              </a:xfrm>
+            </p:grpSpPr>
+            <p:cxnSp>
+              <p:nvCxnSpPr>
+                <p:cNvPr id="11" name="Straight Connector 10">
+                  <a:extLst>
+                    <a:ext uri="{FF2B5EF4-FFF2-40B4-BE49-F238E27FC236}">
+                      <a16:creationId xmlns:a16="http://schemas.microsoft.com/office/drawing/2014/main" id="{F7E138BA-6D4D-4B56-A26E-4BA9B5ADB5E5}"/>
+                    </a:ext>
+                  </a:extLst>
+                </p:cNvPr>
+                <p:cNvCxnSpPr>
+                  <a:cxnSpLocks/>
+                </p:cNvCxnSpPr>
+                <p:nvPr/>
+              </p:nvCxnSpPr>
+              <p:spPr>
+                <a:xfrm>
+                  <a:off x="838200" y="2414232"/>
+                  <a:ext cx="4572000" cy="0"/>
+                </a:xfrm>
+                <a:prstGeom prst="line">
+                  <a:avLst/>
+                </a:prstGeom>
+                <a:ln w="28575">
+                  <a:solidFill>
+                    <a:srgbClr val="C0C0C0"/>
+                  </a:solidFill>
+                </a:ln>
+              </p:spPr>
+              <p:style>
+                <a:lnRef idx="1">
+                  <a:schemeClr val="accent1"/>
+                </a:lnRef>
+                <a:fillRef idx="0">
+                  <a:schemeClr val="accent1"/>
+                </a:fillRef>
+                <a:effectRef idx="0">
+                  <a:schemeClr val="accent1"/>
+                </a:effectRef>
+                <a:fontRef idx="minor">
                   <a:schemeClr val="tx1"/>
-                </a:solidFill>
-                <a:latin typeface="+mn-lt"/>
-                <a:ea typeface="+mn-ea"/>
-                <a:cs typeface="+mn-cs"/>
-              </a:defRPr>
-            </a:lvl1pPr>
-            <a:lvl2pPr marL="685800" indent="-228600" algn="l" defTabSz="914400" rtl="0" eaLnBrk="1" latinLnBrk="0" hangingPunct="1">
-              <a:lnSpc>
-                <a:spcPct val="90000"/>
-              </a:lnSpc>
-              <a:spcBef>
-                <a:spcPts val="500"/>
-              </a:spcBef>
-              <a:buFont typeface="Arial" panose="020B0604020202020204" pitchFamily="34" charset="0"/>
-              <a:buChar char="•"/>
-              <a:defRPr sz="2400" kern="1200">
-                <a:solidFill>
+                </a:fontRef>
+              </p:style>
+            </p:cxnSp>
+            <p:sp>
+              <p:nvSpPr>
+                <p:cNvPr id="12" name="Rectangle 11">
+                  <a:extLst>
+                    <a:ext uri="{FF2B5EF4-FFF2-40B4-BE49-F238E27FC236}">
+                      <a16:creationId xmlns:a16="http://schemas.microsoft.com/office/drawing/2014/main" id="{1640A3FF-95B3-48F7-B5E9-BB85EEBAF970}"/>
+                    </a:ext>
+                  </a:extLst>
+                </p:cNvPr>
+                <p:cNvSpPr/>
+                <p:nvPr/>
+              </p:nvSpPr>
+              <p:spPr>
+                <a:xfrm>
+                  <a:off x="592975" y="2272145"/>
+                  <a:ext cx="5109556" cy="310342"/>
+                </a:xfrm>
+                <a:prstGeom prst="rect">
+                  <a:avLst/>
+                </a:prstGeom>
+                <a:gradFill flip="none" rotWithShape="1">
+                  <a:gsLst>
+                    <a:gs pos="0">
+                      <a:schemeClr val="bg1">
+                        <a:alpha val="0"/>
+                      </a:schemeClr>
+                    </a:gs>
+                    <a:gs pos="85000">
+                      <a:schemeClr val="bg1"/>
+                    </a:gs>
+                  </a:gsLst>
+                  <a:path path="circle">
+                    <a:fillToRect l="50000" t="50000" r="50000" b="50000"/>
+                  </a:path>
+                  <a:tileRect/>
+                </a:gradFill>
+                <a:ln>
+                  <a:noFill/>
+                </a:ln>
+              </p:spPr>
+              <p:style>
+                <a:lnRef idx="2">
+                  <a:schemeClr val="accent1">
+                    <a:shade val="50000"/>
+                  </a:schemeClr>
+                </a:lnRef>
+                <a:fillRef idx="1">
+                  <a:schemeClr val="accent1"/>
+                </a:fillRef>
+                <a:effectRef idx="0">
+                  <a:schemeClr val="accent1"/>
+                </a:effectRef>
+                <a:fontRef idx="minor">
+                  <a:schemeClr val="lt1"/>
+                </a:fontRef>
+              </p:style>
+              <p:txBody>
+                <a:bodyPr rtlCol="0" anchor="ctr"/>
+                <a:lstStyle/>
+                <a:p>
+                  <a:pPr algn="ctr"/>
+                  <a:endParaRPr lang="en-US" dirty="0"/>
+                </a:p>
+              </p:txBody>
+            </p:sp>
+          </p:grpSp>
+          <p:grpSp>
+            <p:nvGrpSpPr>
+              <p:cNvPr id="8" name="Group 7">
+                <a:extLst>
+                  <a:ext uri="{FF2B5EF4-FFF2-40B4-BE49-F238E27FC236}">
+                    <a16:creationId xmlns:a16="http://schemas.microsoft.com/office/drawing/2014/main" id="{092C18DC-B2DA-4DCF-A4D5-374FFB336DE0}"/>
+                  </a:ext>
+                </a:extLst>
+              </p:cNvPr>
+              <p:cNvGrpSpPr/>
+              <p:nvPr/>
+            </p:nvGrpSpPr>
+            <p:grpSpPr>
+              <a:xfrm>
+                <a:off x="6517179" y="2274916"/>
+                <a:ext cx="5109556" cy="310342"/>
+                <a:chOff x="592975" y="2272145"/>
+                <a:chExt cx="5109556" cy="310342"/>
+              </a:xfrm>
+            </p:grpSpPr>
+            <p:cxnSp>
+              <p:nvCxnSpPr>
+                <p:cNvPr id="9" name="Straight Connector 8">
+                  <a:extLst>
+                    <a:ext uri="{FF2B5EF4-FFF2-40B4-BE49-F238E27FC236}">
+                      <a16:creationId xmlns:a16="http://schemas.microsoft.com/office/drawing/2014/main" id="{5D9AB127-5664-4365-899F-079371F754FB}"/>
+                    </a:ext>
+                  </a:extLst>
+                </p:cNvPr>
+                <p:cNvCxnSpPr>
+                  <a:cxnSpLocks/>
+                </p:cNvCxnSpPr>
+                <p:nvPr/>
+              </p:nvCxnSpPr>
+              <p:spPr>
+                <a:xfrm>
+                  <a:off x="838200" y="2414232"/>
+                  <a:ext cx="4572000" cy="0"/>
+                </a:xfrm>
+                <a:prstGeom prst="line">
+                  <a:avLst/>
+                </a:prstGeom>
+                <a:ln w="28575">
+                  <a:solidFill>
+                    <a:srgbClr val="C0C0C0"/>
+                  </a:solidFill>
+                </a:ln>
+              </p:spPr>
+              <p:style>
+                <a:lnRef idx="1">
+                  <a:schemeClr val="accent1"/>
+                </a:lnRef>
+                <a:fillRef idx="0">
+                  <a:schemeClr val="accent1"/>
+                </a:fillRef>
+                <a:effectRef idx="0">
+                  <a:schemeClr val="accent1"/>
+                </a:effectRef>
+                <a:fontRef idx="minor">
                   <a:schemeClr val="tx1"/>
-                </a:solidFill>
-                <a:latin typeface="+mn-lt"/>
-                <a:ea typeface="+mn-ea"/>
-                <a:cs typeface="+mn-cs"/>
-              </a:defRPr>
-            </a:lvl2pPr>
-            <a:lvl3pPr marL="1143000" indent="-228600" algn="l" defTabSz="914400" rtl="0" eaLnBrk="1" latinLnBrk="0" hangingPunct="1">
-              <a:lnSpc>
-                <a:spcPct val="90000"/>
-              </a:lnSpc>
-              <a:spcBef>
-                <a:spcPts val="500"/>
-              </a:spcBef>
-              <a:buFont typeface="Arial" panose="020B0604020202020204" pitchFamily="34" charset="0"/>
-              <a:buChar char="•"/>
-              <a:defRPr sz="2000" kern="1200">
-                <a:solidFill>
-                  <a:schemeClr val="tx1"/>
-                </a:solidFill>
-                <a:latin typeface="+mn-lt"/>
-                <a:ea typeface="+mn-ea"/>
-                <a:cs typeface="+mn-cs"/>
-              </a:defRPr>
-            </a:lvl3pPr>
-            <a:lvl4pPr marL="1600200" indent="-228600" algn="l" defTabSz="914400" rtl="0" eaLnBrk="1" latinLnBrk="0" hangingPunct="1">
-              <a:lnSpc>
-                <a:spcPct val="90000"/>
-              </a:lnSpc>
-              <a:spcBef>
-                <a:spcPts val="500"/>
-              </a:spcBef>
-              <a:buFont typeface="Arial" panose="020B0604020202020204" pitchFamily="34" charset="0"/>
-              <a:buChar char="•"/>
-              <a:defRPr sz="1800" kern="1200">
-                <a:solidFill>
-                  <a:schemeClr val="tx1"/>
-                </a:solidFill>
-                <a:latin typeface="+mn-lt"/>
-                <a:ea typeface="+mn-ea"/>
-                <a:cs typeface="+mn-cs"/>
-              </a:defRPr>
-            </a:lvl4pPr>
-            <a:lvl5pPr marL="2057400" indent="-228600" algn="l" defTabSz="914400" rtl="0" eaLnBrk="1" latinLnBrk="0" hangingPunct="1">
-              <a:lnSpc>
-                <a:spcPct val="90000"/>
-              </a:lnSpc>
-              <a:spcBef>
-                <a:spcPts val="500"/>
-              </a:spcBef>
-              <a:buFont typeface="Arial" panose="020B0604020202020204" pitchFamily="34" charset="0"/>
-              <a:buChar char="•"/>
-              <a:defRPr sz="1800" kern="1200">
-                <a:solidFill>
-                  <a:schemeClr val="tx1"/>
-                </a:solidFill>
-                <a:latin typeface="+mn-lt"/>
-                <a:ea typeface="+mn-ea"/>
-                <a:cs typeface="+mn-cs"/>
-              </a:defRPr>
-            </a:lvl5pPr>
-            <a:lvl6pPr marL="2514600" indent="-228600" algn="l" defTabSz="914400" rtl="0" eaLnBrk="1" latinLnBrk="0" hangingPunct="1">
-              <a:lnSpc>
-                <a:spcPct val="90000"/>
-              </a:lnSpc>
-              <a:spcBef>
-                <a:spcPts val="500"/>
-              </a:spcBef>
-              <a:buFont typeface="Arial" panose="020B0604020202020204" pitchFamily="34" charset="0"/>
-              <a:buChar char="•"/>
-              <a:defRPr sz="1800" kern="1200">
-                <a:solidFill>
-                  <a:schemeClr val="tx1"/>
-                </a:solidFill>
-                <a:latin typeface="+mn-lt"/>
-                <a:ea typeface="+mn-ea"/>
-                <a:cs typeface="+mn-cs"/>
-              </a:defRPr>
-            </a:lvl6pPr>
-            <a:lvl7pPr marL="2971800" indent="-228600" algn="l" defTabSz="914400" rtl="0" eaLnBrk="1" latinLnBrk="0" hangingPunct="1">
-              <a:lnSpc>
-                <a:spcPct val="90000"/>
-              </a:lnSpc>
-              <a:spcBef>
-                <a:spcPts val="500"/>
-              </a:spcBef>
-              <a:buFont typeface="Arial" panose="020B0604020202020204" pitchFamily="34" charset="0"/>
-              <a:buChar char="•"/>
-              <a:defRPr sz="1800" kern="1200">
-                <a:solidFill>
-                  <a:schemeClr val="tx1"/>
-                </a:solidFill>
-                <a:latin typeface="+mn-lt"/>
-                <a:ea typeface="+mn-ea"/>
-                <a:cs typeface="+mn-cs"/>
-              </a:defRPr>
-            </a:lvl7pPr>
-            <a:lvl8pPr marL="3429000" indent="-228600" algn="l" defTabSz="914400" rtl="0" eaLnBrk="1" latinLnBrk="0" hangingPunct="1">
-              <a:lnSpc>
-                <a:spcPct val="90000"/>
-              </a:lnSpc>
-              <a:spcBef>
-                <a:spcPts val="500"/>
-              </a:spcBef>
-              <a:buFont typeface="Arial" panose="020B0604020202020204" pitchFamily="34" charset="0"/>
-              <a:buChar char="•"/>
-              <a:defRPr sz="1800" kern="1200">
-                <a:solidFill>
-                  <a:schemeClr val="tx1"/>
-                </a:solidFill>
-                <a:latin typeface="+mn-lt"/>
-                <a:ea typeface="+mn-ea"/>
-                <a:cs typeface="+mn-cs"/>
-              </a:defRPr>
-            </a:lvl8pPr>
-            <a:lvl9pPr marL="3886200" indent="-228600" algn="l" defTabSz="914400" rtl="0" eaLnBrk="1" latinLnBrk="0" hangingPunct="1">
-              <a:lnSpc>
-                <a:spcPct val="90000"/>
-              </a:lnSpc>
-              <a:spcBef>
-                <a:spcPts val="500"/>
-              </a:spcBef>
-              <a:buFont typeface="Arial" panose="020B0604020202020204" pitchFamily="34" charset="0"/>
-              <a:buChar char="•"/>
-              <a:defRPr sz="1800" kern="1200">
-                <a:solidFill>
-                  <a:schemeClr val="tx1"/>
-                </a:solidFill>
-                <a:latin typeface="+mn-lt"/>
-                <a:ea typeface="+mn-ea"/>
-                <a:cs typeface="+mn-cs"/>
-              </a:defRPr>
-            </a:lvl9pPr>
-          </a:lstStyle>
-          <a:p>
-            <a:pPr marL="0" indent="0" algn="ctr">
-              <a:buFont typeface="Arial" panose="020B0604020202020204" pitchFamily="34" charset="0"/>
-              <a:buNone/>
-            </a:pPr>
-            <a:r>
-              <a:rPr lang="en-US" dirty="0">
-                <a:latin typeface="Franklin Gothic Medium" panose="020B0603020102020204" pitchFamily="34" charset="0"/>
-              </a:rPr>
-              <a:t>Time Difference</a:t>
-            </a:r>
-          </a:p>
-        </p:txBody>
-      </p:sp>
-      <p:sp>
-        <p:nvSpPr>
-          <p:cNvPr id="5" name="Content Placeholder 1">
-            <a:extLst>
-              <a:ext uri="{FF2B5EF4-FFF2-40B4-BE49-F238E27FC236}">
-                <a16:creationId xmlns:a16="http://schemas.microsoft.com/office/drawing/2014/main" id="{B0BB19EB-7EA9-489C-8E6A-A917C365E302}"/>
-              </a:ext>
-            </a:extLst>
-          </p:cNvPr>
-          <p:cNvSpPr txBox="1">
-            <a:spLocks/>
-          </p:cNvSpPr>
-          <p:nvPr/>
-        </p:nvSpPr>
-        <p:spPr>
-          <a:xfrm>
-            <a:off x="970511" y="2717847"/>
-            <a:ext cx="4572000" cy="3015153"/>
-          </a:xfrm>
-          <a:prstGeom prst="rect">
-            <a:avLst/>
-          </a:prstGeom>
-        </p:spPr>
-        <p:txBody>
-          <a:bodyPr vert="horz" lIns="91440" tIns="45720" rIns="91440" bIns="45720" rtlCol="0">
-            <a:normAutofit/>
-          </a:bodyPr>
-          <a:lstStyle>
-            <a:lvl1pPr marL="228600" indent="-228600" algn="l" defTabSz="914400" rtl="0" eaLnBrk="1" latinLnBrk="0" hangingPunct="1">
-              <a:lnSpc>
-                <a:spcPct val="90000"/>
-              </a:lnSpc>
-              <a:spcBef>
-                <a:spcPts val="1000"/>
-              </a:spcBef>
-              <a:buFont typeface="Arial" panose="020B0604020202020204" pitchFamily="34" charset="0"/>
-              <a:buChar char="•"/>
-              <a:defRPr sz="2800" kern="1200">
-                <a:solidFill>
-                  <a:schemeClr val="tx1"/>
-                </a:solidFill>
-                <a:latin typeface="+mn-lt"/>
-                <a:ea typeface="+mn-ea"/>
-                <a:cs typeface="+mn-cs"/>
-              </a:defRPr>
-            </a:lvl1pPr>
-            <a:lvl2pPr marL="685800" indent="-228600" algn="l" defTabSz="914400" rtl="0" eaLnBrk="1" latinLnBrk="0" hangingPunct="1">
-              <a:lnSpc>
-                <a:spcPct val="90000"/>
-              </a:lnSpc>
-              <a:spcBef>
-                <a:spcPts val="500"/>
-              </a:spcBef>
-              <a:buFont typeface="Arial" panose="020B0604020202020204" pitchFamily="34" charset="0"/>
-              <a:buChar char="•"/>
-              <a:defRPr sz="2400" kern="1200">
-                <a:solidFill>
-                  <a:schemeClr val="tx1"/>
-                </a:solidFill>
-                <a:latin typeface="+mn-lt"/>
-                <a:ea typeface="+mn-ea"/>
-                <a:cs typeface="+mn-cs"/>
-              </a:defRPr>
-            </a:lvl2pPr>
-            <a:lvl3pPr marL="1143000" indent="-228600" algn="l" defTabSz="914400" rtl="0" eaLnBrk="1" latinLnBrk="0" hangingPunct="1">
-              <a:lnSpc>
-                <a:spcPct val="90000"/>
-              </a:lnSpc>
-              <a:spcBef>
-                <a:spcPts val="500"/>
-              </a:spcBef>
-              <a:buFont typeface="Arial" panose="020B0604020202020204" pitchFamily="34" charset="0"/>
-              <a:buChar char="•"/>
-              <a:defRPr sz="2000" kern="1200">
-                <a:solidFill>
-                  <a:schemeClr val="tx1"/>
-                </a:solidFill>
-                <a:latin typeface="+mn-lt"/>
-                <a:ea typeface="+mn-ea"/>
-                <a:cs typeface="+mn-cs"/>
-              </a:defRPr>
-            </a:lvl3pPr>
-            <a:lvl4pPr marL="1600200" indent="-228600" algn="l" defTabSz="914400" rtl="0" eaLnBrk="1" latinLnBrk="0" hangingPunct="1">
-              <a:lnSpc>
-                <a:spcPct val="90000"/>
-              </a:lnSpc>
-              <a:spcBef>
-                <a:spcPts val="500"/>
-              </a:spcBef>
-              <a:buFont typeface="Arial" panose="020B0604020202020204" pitchFamily="34" charset="0"/>
-              <a:buChar char="•"/>
-              <a:defRPr sz="1800" kern="1200">
-                <a:solidFill>
-                  <a:schemeClr val="tx1"/>
-                </a:solidFill>
-                <a:latin typeface="+mn-lt"/>
-                <a:ea typeface="+mn-ea"/>
-                <a:cs typeface="+mn-cs"/>
-              </a:defRPr>
-            </a:lvl4pPr>
-            <a:lvl5pPr marL="2057400" indent="-228600" algn="l" defTabSz="914400" rtl="0" eaLnBrk="1" latinLnBrk="0" hangingPunct="1">
-              <a:lnSpc>
-                <a:spcPct val="90000"/>
-              </a:lnSpc>
-              <a:spcBef>
-                <a:spcPts val="500"/>
-              </a:spcBef>
-              <a:buFont typeface="Arial" panose="020B0604020202020204" pitchFamily="34" charset="0"/>
-              <a:buChar char="•"/>
-              <a:defRPr sz="1800" kern="1200">
-                <a:solidFill>
-                  <a:schemeClr val="tx1"/>
-                </a:solidFill>
-                <a:latin typeface="+mn-lt"/>
-                <a:ea typeface="+mn-ea"/>
-                <a:cs typeface="+mn-cs"/>
-              </a:defRPr>
-            </a:lvl5pPr>
-            <a:lvl6pPr marL="2514600" indent="-228600" algn="l" defTabSz="914400" rtl="0" eaLnBrk="1" latinLnBrk="0" hangingPunct="1">
-              <a:lnSpc>
-                <a:spcPct val="90000"/>
-              </a:lnSpc>
-              <a:spcBef>
-                <a:spcPts val="500"/>
-              </a:spcBef>
-              <a:buFont typeface="Arial" panose="020B0604020202020204" pitchFamily="34" charset="0"/>
-              <a:buChar char="•"/>
-              <a:defRPr sz="1800" kern="1200">
-                <a:solidFill>
-                  <a:schemeClr val="tx1"/>
-                </a:solidFill>
-                <a:latin typeface="+mn-lt"/>
-                <a:ea typeface="+mn-ea"/>
-                <a:cs typeface="+mn-cs"/>
-              </a:defRPr>
-            </a:lvl6pPr>
-            <a:lvl7pPr marL="2971800" indent="-228600" algn="l" defTabSz="914400" rtl="0" eaLnBrk="1" latinLnBrk="0" hangingPunct="1">
-              <a:lnSpc>
-                <a:spcPct val="90000"/>
-              </a:lnSpc>
-              <a:spcBef>
-                <a:spcPts val="500"/>
-              </a:spcBef>
-              <a:buFont typeface="Arial" panose="020B0604020202020204" pitchFamily="34" charset="0"/>
-              <a:buChar char="•"/>
-              <a:defRPr sz="1800" kern="1200">
-                <a:solidFill>
-                  <a:schemeClr val="tx1"/>
-                </a:solidFill>
-                <a:latin typeface="+mn-lt"/>
-                <a:ea typeface="+mn-ea"/>
-                <a:cs typeface="+mn-cs"/>
-              </a:defRPr>
-            </a:lvl7pPr>
-            <a:lvl8pPr marL="3429000" indent="-228600" algn="l" defTabSz="914400" rtl="0" eaLnBrk="1" latinLnBrk="0" hangingPunct="1">
-              <a:lnSpc>
-                <a:spcPct val="90000"/>
-              </a:lnSpc>
-              <a:spcBef>
-                <a:spcPts val="500"/>
-              </a:spcBef>
-              <a:buFont typeface="Arial" panose="020B0604020202020204" pitchFamily="34" charset="0"/>
-              <a:buChar char="•"/>
-              <a:defRPr sz="1800" kern="1200">
-                <a:solidFill>
-                  <a:schemeClr val="tx1"/>
-                </a:solidFill>
-                <a:latin typeface="+mn-lt"/>
-                <a:ea typeface="+mn-ea"/>
-                <a:cs typeface="+mn-cs"/>
-              </a:defRPr>
-            </a:lvl8pPr>
-            <a:lvl9pPr marL="3886200" indent="-228600" algn="l" defTabSz="914400" rtl="0" eaLnBrk="1" latinLnBrk="0" hangingPunct="1">
-              <a:lnSpc>
-                <a:spcPct val="90000"/>
-              </a:lnSpc>
-              <a:spcBef>
-                <a:spcPts val="500"/>
-              </a:spcBef>
-              <a:buFont typeface="Arial" panose="020B0604020202020204" pitchFamily="34" charset="0"/>
-              <a:buChar char="•"/>
-              <a:defRPr sz="1800" kern="1200">
-                <a:solidFill>
-                  <a:schemeClr val="tx1"/>
-                </a:solidFill>
-                <a:latin typeface="+mn-lt"/>
-                <a:ea typeface="+mn-ea"/>
-                <a:cs typeface="+mn-cs"/>
-              </a:defRPr>
-            </a:lvl9pPr>
-          </a:lstStyle>
-          <a:p>
-            <a:pPr marL="0" indent="0" algn="ctr">
-              <a:buNone/>
-            </a:pPr>
-            <a:r>
-              <a:rPr lang="en-US" dirty="0">
-                <a:latin typeface="Franklin Gothic Medium" panose="020B0603020102020204" pitchFamily="34" charset="0"/>
-              </a:rPr>
-              <a:t>Time Shift</a:t>
-            </a:r>
-          </a:p>
-        </p:txBody>
-      </p:sp>
+                </a:fontRef>
+              </p:style>
+            </p:cxnSp>
+            <p:sp>
+              <p:nvSpPr>
+                <p:cNvPr id="10" name="Rectangle 9">
+                  <a:extLst>
+                    <a:ext uri="{FF2B5EF4-FFF2-40B4-BE49-F238E27FC236}">
+                      <a16:creationId xmlns:a16="http://schemas.microsoft.com/office/drawing/2014/main" id="{AAE0DCFD-1B0D-46E6-A975-688530472026}"/>
+                    </a:ext>
+                  </a:extLst>
+                </p:cNvPr>
+                <p:cNvSpPr/>
+                <p:nvPr/>
+              </p:nvSpPr>
+              <p:spPr>
+                <a:xfrm>
+                  <a:off x="592975" y="2272145"/>
+                  <a:ext cx="5109556" cy="310342"/>
+                </a:xfrm>
+                <a:prstGeom prst="rect">
+                  <a:avLst/>
+                </a:prstGeom>
+                <a:gradFill flip="none" rotWithShape="1">
+                  <a:gsLst>
+                    <a:gs pos="0">
+                      <a:schemeClr val="bg1">
+                        <a:alpha val="0"/>
+                      </a:schemeClr>
+                    </a:gs>
+                    <a:gs pos="85000">
+                      <a:schemeClr val="bg1"/>
+                    </a:gs>
+                  </a:gsLst>
+                  <a:path path="circle">
+                    <a:fillToRect l="50000" t="50000" r="50000" b="50000"/>
+                  </a:path>
+                  <a:tileRect/>
+                </a:gradFill>
+                <a:ln>
+                  <a:noFill/>
+                </a:ln>
+              </p:spPr>
+              <p:style>
+                <a:lnRef idx="2">
+                  <a:schemeClr val="accent1">
+                    <a:shade val="50000"/>
+                  </a:schemeClr>
+                </a:lnRef>
+                <a:fillRef idx="1">
+                  <a:schemeClr val="accent1"/>
+                </a:fillRef>
+                <a:effectRef idx="0">
+                  <a:schemeClr val="accent1"/>
+                </a:effectRef>
+                <a:fontRef idx="minor">
+                  <a:schemeClr val="lt1"/>
+                </a:fontRef>
+              </p:style>
+              <p:txBody>
+                <a:bodyPr rtlCol="0" anchor="ctr"/>
+                <a:lstStyle/>
+                <a:p>
+                  <a:pPr algn="ctr"/>
+                  <a:endParaRPr lang="en-US" dirty="0"/>
+                </a:p>
+              </p:txBody>
+            </p:sp>
+          </p:grpSp>
+        </p:grpSp>
+        <p:sp>
+          <p:nvSpPr>
+            <p:cNvPr id="4" name="Content Placeholder 1">
+              <a:extLst>
+                <a:ext uri="{FF2B5EF4-FFF2-40B4-BE49-F238E27FC236}">
+                  <a16:creationId xmlns:a16="http://schemas.microsoft.com/office/drawing/2014/main" id="{5CE45E73-1671-4653-B761-88C2FC928026}"/>
+                </a:ext>
+              </a:extLst>
+            </p:cNvPr>
+            <p:cNvSpPr txBox="1">
+              <a:spLocks/>
+            </p:cNvSpPr>
+            <p:nvPr/>
+          </p:nvSpPr>
+          <p:spPr>
+            <a:xfrm>
+              <a:off x="6767945" y="2717847"/>
+              <a:ext cx="4572000" cy="3015150"/>
+            </a:xfrm>
+            <a:prstGeom prst="rect">
+              <a:avLst/>
+            </a:prstGeom>
+          </p:spPr>
+          <p:txBody>
+            <a:bodyPr/>
+            <a:lstStyle>
+              <a:lvl1pPr marL="228600" indent="-228600" algn="l" defTabSz="914400" rtl="0" eaLnBrk="1" latinLnBrk="0" hangingPunct="1">
+                <a:lnSpc>
+                  <a:spcPct val="90000"/>
+                </a:lnSpc>
+                <a:spcBef>
+                  <a:spcPts val="1000"/>
+                </a:spcBef>
+                <a:buFont typeface="Arial" panose="020B0604020202020204" pitchFamily="34" charset="0"/>
+                <a:buChar char="•"/>
+                <a:defRPr sz="2800" kern="1200">
+                  <a:solidFill>
+                    <a:schemeClr val="tx1"/>
+                  </a:solidFill>
+                  <a:latin typeface="+mn-lt"/>
+                  <a:ea typeface="+mn-ea"/>
+                  <a:cs typeface="+mn-cs"/>
+                </a:defRPr>
+              </a:lvl1pPr>
+              <a:lvl2pPr marL="685800" indent="-228600" algn="l" defTabSz="914400" rtl="0" eaLnBrk="1" latinLnBrk="0" hangingPunct="1">
+                <a:lnSpc>
+                  <a:spcPct val="90000"/>
+                </a:lnSpc>
+                <a:spcBef>
+                  <a:spcPts val="500"/>
+                </a:spcBef>
+                <a:buFont typeface="Arial" panose="020B0604020202020204" pitchFamily="34" charset="0"/>
+                <a:buChar char="•"/>
+                <a:defRPr sz="2400" kern="1200">
+                  <a:solidFill>
+                    <a:schemeClr val="tx1"/>
+                  </a:solidFill>
+                  <a:latin typeface="+mn-lt"/>
+                  <a:ea typeface="+mn-ea"/>
+                  <a:cs typeface="+mn-cs"/>
+                </a:defRPr>
+              </a:lvl2pPr>
+              <a:lvl3pPr marL="1143000" indent="-228600" algn="l" defTabSz="914400" rtl="0" eaLnBrk="1" latinLnBrk="0" hangingPunct="1">
+                <a:lnSpc>
+                  <a:spcPct val="90000"/>
+                </a:lnSpc>
+                <a:spcBef>
+                  <a:spcPts val="500"/>
+                </a:spcBef>
+                <a:buFont typeface="Arial" panose="020B0604020202020204" pitchFamily="34" charset="0"/>
+                <a:buChar char="•"/>
+                <a:defRPr sz="2000" kern="1200">
+                  <a:solidFill>
+                    <a:schemeClr val="tx1"/>
+                  </a:solidFill>
+                  <a:latin typeface="+mn-lt"/>
+                  <a:ea typeface="+mn-ea"/>
+                  <a:cs typeface="+mn-cs"/>
+                </a:defRPr>
+              </a:lvl3pPr>
+              <a:lvl4pPr marL="1600200" indent="-228600" algn="l" defTabSz="914400" rtl="0" eaLnBrk="1" latinLnBrk="0" hangingPunct="1">
+                <a:lnSpc>
+                  <a:spcPct val="90000"/>
+                </a:lnSpc>
+                <a:spcBef>
+                  <a:spcPts val="500"/>
+                </a:spcBef>
+                <a:buFont typeface="Arial" panose="020B0604020202020204" pitchFamily="34" charset="0"/>
+                <a:buChar char="•"/>
+                <a:defRPr sz="1800" kern="1200">
+                  <a:solidFill>
+                    <a:schemeClr val="tx1"/>
+                  </a:solidFill>
+                  <a:latin typeface="+mn-lt"/>
+                  <a:ea typeface="+mn-ea"/>
+                  <a:cs typeface="+mn-cs"/>
+                </a:defRPr>
+              </a:lvl4pPr>
+              <a:lvl5pPr marL="2057400" indent="-228600" algn="l" defTabSz="914400" rtl="0" eaLnBrk="1" latinLnBrk="0" hangingPunct="1">
+                <a:lnSpc>
+                  <a:spcPct val="90000"/>
+                </a:lnSpc>
+                <a:spcBef>
+                  <a:spcPts val="500"/>
+                </a:spcBef>
+                <a:buFont typeface="Arial" panose="020B0604020202020204" pitchFamily="34" charset="0"/>
+                <a:buChar char="•"/>
+                <a:defRPr sz="1800" kern="1200">
+                  <a:solidFill>
+                    <a:schemeClr val="tx1"/>
+                  </a:solidFill>
+                  <a:latin typeface="+mn-lt"/>
+                  <a:ea typeface="+mn-ea"/>
+                  <a:cs typeface="+mn-cs"/>
+                </a:defRPr>
+              </a:lvl5pPr>
+              <a:lvl6pPr marL="2514600" indent="-228600" algn="l" defTabSz="914400" rtl="0" eaLnBrk="1" latinLnBrk="0" hangingPunct="1">
+                <a:lnSpc>
+                  <a:spcPct val="90000"/>
+                </a:lnSpc>
+                <a:spcBef>
+                  <a:spcPts val="500"/>
+                </a:spcBef>
+                <a:buFont typeface="Arial" panose="020B0604020202020204" pitchFamily="34" charset="0"/>
+                <a:buChar char="•"/>
+                <a:defRPr sz="1800" kern="1200">
+                  <a:solidFill>
+                    <a:schemeClr val="tx1"/>
+                  </a:solidFill>
+                  <a:latin typeface="+mn-lt"/>
+                  <a:ea typeface="+mn-ea"/>
+                  <a:cs typeface="+mn-cs"/>
+                </a:defRPr>
+              </a:lvl6pPr>
+              <a:lvl7pPr marL="2971800" indent="-228600" algn="l" defTabSz="914400" rtl="0" eaLnBrk="1" latinLnBrk="0" hangingPunct="1">
+                <a:lnSpc>
+                  <a:spcPct val="90000"/>
+                </a:lnSpc>
+                <a:spcBef>
+                  <a:spcPts val="500"/>
+                </a:spcBef>
+                <a:buFont typeface="Arial" panose="020B0604020202020204" pitchFamily="34" charset="0"/>
+                <a:buChar char="•"/>
+                <a:defRPr sz="1800" kern="1200">
+                  <a:solidFill>
+                    <a:schemeClr val="tx1"/>
+                  </a:solidFill>
+                  <a:latin typeface="+mn-lt"/>
+                  <a:ea typeface="+mn-ea"/>
+                  <a:cs typeface="+mn-cs"/>
+                </a:defRPr>
+              </a:lvl7pPr>
+              <a:lvl8pPr marL="3429000" indent="-228600" algn="l" defTabSz="914400" rtl="0" eaLnBrk="1" latinLnBrk="0" hangingPunct="1">
+                <a:lnSpc>
+                  <a:spcPct val="90000"/>
+                </a:lnSpc>
+                <a:spcBef>
+                  <a:spcPts val="500"/>
+                </a:spcBef>
+                <a:buFont typeface="Arial" panose="020B0604020202020204" pitchFamily="34" charset="0"/>
+                <a:buChar char="•"/>
+                <a:defRPr sz="1800" kern="1200">
+                  <a:solidFill>
+                    <a:schemeClr val="tx1"/>
+                  </a:solidFill>
+                  <a:latin typeface="+mn-lt"/>
+                  <a:ea typeface="+mn-ea"/>
+                  <a:cs typeface="+mn-cs"/>
+                </a:defRPr>
+              </a:lvl8pPr>
+              <a:lvl9pPr marL="3886200" indent="-228600" algn="l" defTabSz="914400" rtl="0" eaLnBrk="1" latinLnBrk="0" hangingPunct="1">
+                <a:lnSpc>
+                  <a:spcPct val="90000"/>
+                </a:lnSpc>
+                <a:spcBef>
+                  <a:spcPts val="500"/>
+                </a:spcBef>
+                <a:buFont typeface="Arial" panose="020B0604020202020204" pitchFamily="34" charset="0"/>
+                <a:buChar char="•"/>
+                <a:defRPr sz="1800" kern="1200">
+                  <a:solidFill>
+                    <a:schemeClr val="tx1"/>
+                  </a:solidFill>
+                  <a:latin typeface="+mn-lt"/>
+                  <a:ea typeface="+mn-ea"/>
+                  <a:cs typeface="+mn-cs"/>
+                </a:defRPr>
+              </a:lvl9pPr>
+            </a:lstStyle>
+            <a:p>
+              <a:pPr marL="0" indent="0" algn="ctr">
+                <a:buFont typeface="Arial" panose="020B0604020202020204" pitchFamily="34" charset="0"/>
+                <a:buNone/>
+              </a:pPr>
+              <a:r>
+                <a:rPr lang="en-US" dirty="0">
+                  <a:latin typeface="Franklin Gothic Medium" panose="020B0603020102020204" pitchFamily="34" charset="0"/>
+                </a:rPr>
+                <a:t>Time Difference</a:t>
+              </a:r>
+            </a:p>
+          </p:txBody>
+        </p:sp>
+        <p:sp>
+          <p:nvSpPr>
+            <p:cNvPr id="5" name="Content Placeholder 1">
+              <a:extLst>
+                <a:ext uri="{FF2B5EF4-FFF2-40B4-BE49-F238E27FC236}">
+                  <a16:creationId xmlns:a16="http://schemas.microsoft.com/office/drawing/2014/main" id="{B0BB19EB-7EA9-489C-8E6A-A917C365E302}"/>
+                </a:ext>
+              </a:extLst>
+            </p:cNvPr>
+            <p:cNvSpPr txBox="1">
+              <a:spLocks/>
+            </p:cNvSpPr>
+            <p:nvPr/>
+          </p:nvSpPr>
+          <p:spPr>
+            <a:xfrm>
+              <a:off x="970511" y="2717847"/>
+              <a:ext cx="4572000" cy="3015153"/>
+            </a:xfrm>
+            <a:prstGeom prst="rect">
+              <a:avLst/>
+            </a:prstGeom>
+          </p:spPr>
+          <p:txBody>
+            <a:bodyPr vert="horz" lIns="91440" tIns="45720" rIns="91440" bIns="45720" rtlCol="0">
+              <a:normAutofit/>
+            </a:bodyPr>
+            <a:lstStyle>
+              <a:lvl1pPr marL="228600" indent="-228600" algn="l" defTabSz="914400" rtl="0" eaLnBrk="1" latinLnBrk="0" hangingPunct="1">
+                <a:lnSpc>
+                  <a:spcPct val="90000"/>
+                </a:lnSpc>
+                <a:spcBef>
+                  <a:spcPts val="1000"/>
+                </a:spcBef>
+                <a:buFont typeface="Arial" panose="020B0604020202020204" pitchFamily="34" charset="0"/>
+                <a:buChar char="•"/>
+                <a:defRPr sz="2800" kern="1200">
+                  <a:solidFill>
+                    <a:schemeClr val="tx1"/>
+                  </a:solidFill>
+                  <a:latin typeface="+mn-lt"/>
+                  <a:ea typeface="+mn-ea"/>
+                  <a:cs typeface="+mn-cs"/>
+                </a:defRPr>
+              </a:lvl1pPr>
+              <a:lvl2pPr marL="685800" indent="-228600" algn="l" defTabSz="914400" rtl="0" eaLnBrk="1" latinLnBrk="0" hangingPunct="1">
+                <a:lnSpc>
+                  <a:spcPct val="90000"/>
+                </a:lnSpc>
+                <a:spcBef>
+                  <a:spcPts val="500"/>
+                </a:spcBef>
+                <a:buFont typeface="Arial" panose="020B0604020202020204" pitchFamily="34" charset="0"/>
+                <a:buChar char="•"/>
+                <a:defRPr sz="2400" kern="1200">
+                  <a:solidFill>
+                    <a:schemeClr val="tx1"/>
+                  </a:solidFill>
+                  <a:latin typeface="+mn-lt"/>
+                  <a:ea typeface="+mn-ea"/>
+                  <a:cs typeface="+mn-cs"/>
+                </a:defRPr>
+              </a:lvl2pPr>
+              <a:lvl3pPr marL="1143000" indent="-228600" algn="l" defTabSz="914400" rtl="0" eaLnBrk="1" latinLnBrk="0" hangingPunct="1">
+                <a:lnSpc>
+                  <a:spcPct val="90000"/>
+                </a:lnSpc>
+                <a:spcBef>
+                  <a:spcPts val="500"/>
+                </a:spcBef>
+                <a:buFont typeface="Arial" panose="020B0604020202020204" pitchFamily="34" charset="0"/>
+                <a:buChar char="•"/>
+                <a:defRPr sz="2000" kern="1200">
+                  <a:solidFill>
+                    <a:schemeClr val="tx1"/>
+                  </a:solidFill>
+                  <a:latin typeface="+mn-lt"/>
+                  <a:ea typeface="+mn-ea"/>
+                  <a:cs typeface="+mn-cs"/>
+                </a:defRPr>
+              </a:lvl3pPr>
+              <a:lvl4pPr marL="1600200" indent="-228600" algn="l" defTabSz="914400" rtl="0" eaLnBrk="1" latinLnBrk="0" hangingPunct="1">
+                <a:lnSpc>
+                  <a:spcPct val="90000"/>
+                </a:lnSpc>
+                <a:spcBef>
+                  <a:spcPts val="500"/>
+                </a:spcBef>
+                <a:buFont typeface="Arial" panose="020B0604020202020204" pitchFamily="34" charset="0"/>
+                <a:buChar char="•"/>
+                <a:defRPr sz="1800" kern="1200">
+                  <a:solidFill>
+                    <a:schemeClr val="tx1"/>
+                  </a:solidFill>
+                  <a:latin typeface="+mn-lt"/>
+                  <a:ea typeface="+mn-ea"/>
+                  <a:cs typeface="+mn-cs"/>
+                </a:defRPr>
+              </a:lvl4pPr>
+              <a:lvl5pPr marL="2057400" indent="-228600" algn="l" defTabSz="914400" rtl="0" eaLnBrk="1" latinLnBrk="0" hangingPunct="1">
+                <a:lnSpc>
+                  <a:spcPct val="90000"/>
+                </a:lnSpc>
+                <a:spcBef>
+                  <a:spcPts val="500"/>
+                </a:spcBef>
+                <a:buFont typeface="Arial" panose="020B0604020202020204" pitchFamily="34" charset="0"/>
+                <a:buChar char="•"/>
+                <a:defRPr sz="1800" kern="1200">
+                  <a:solidFill>
+                    <a:schemeClr val="tx1"/>
+                  </a:solidFill>
+                  <a:latin typeface="+mn-lt"/>
+                  <a:ea typeface="+mn-ea"/>
+                  <a:cs typeface="+mn-cs"/>
+                </a:defRPr>
+              </a:lvl5pPr>
+              <a:lvl6pPr marL="2514600" indent="-228600" algn="l" defTabSz="914400" rtl="0" eaLnBrk="1" latinLnBrk="0" hangingPunct="1">
+                <a:lnSpc>
+                  <a:spcPct val="90000"/>
+                </a:lnSpc>
+                <a:spcBef>
+                  <a:spcPts val="500"/>
+                </a:spcBef>
+                <a:buFont typeface="Arial" panose="020B0604020202020204" pitchFamily="34" charset="0"/>
+                <a:buChar char="•"/>
+                <a:defRPr sz="1800" kern="1200">
+                  <a:solidFill>
+                    <a:schemeClr val="tx1"/>
+                  </a:solidFill>
+                  <a:latin typeface="+mn-lt"/>
+                  <a:ea typeface="+mn-ea"/>
+                  <a:cs typeface="+mn-cs"/>
+                </a:defRPr>
+              </a:lvl6pPr>
+              <a:lvl7pPr marL="2971800" indent="-228600" algn="l" defTabSz="914400" rtl="0" eaLnBrk="1" latinLnBrk="0" hangingPunct="1">
+                <a:lnSpc>
+                  <a:spcPct val="90000"/>
+                </a:lnSpc>
+                <a:spcBef>
+                  <a:spcPts val="500"/>
+                </a:spcBef>
+                <a:buFont typeface="Arial" panose="020B0604020202020204" pitchFamily="34" charset="0"/>
+                <a:buChar char="•"/>
+                <a:defRPr sz="1800" kern="1200">
+                  <a:solidFill>
+                    <a:schemeClr val="tx1"/>
+                  </a:solidFill>
+                  <a:latin typeface="+mn-lt"/>
+                  <a:ea typeface="+mn-ea"/>
+                  <a:cs typeface="+mn-cs"/>
+                </a:defRPr>
+              </a:lvl7pPr>
+              <a:lvl8pPr marL="3429000" indent="-228600" algn="l" defTabSz="914400" rtl="0" eaLnBrk="1" latinLnBrk="0" hangingPunct="1">
+                <a:lnSpc>
+                  <a:spcPct val="90000"/>
+                </a:lnSpc>
+                <a:spcBef>
+                  <a:spcPts val="500"/>
+                </a:spcBef>
+                <a:buFont typeface="Arial" panose="020B0604020202020204" pitchFamily="34" charset="0"/>
+                <a:buChar char="•"/>
+                <a:defRPr sz="1800" kern="1200">
+                  <a:solidFill>
+                    <a:schemeClr val="tx1"/>
+                  </a:solidFill>
+                  <a:latin typeface="+mn-lt"/>
+                  <a:ea typeface="+mn-ea"/>
+                  <a:cs typeface="+mn-cs"/>
+                </a:defRPr>
+              </a:lvl8pPr>
+              <a:lvl9pPr marL="3886200" indent="-228600" algn="l" defTabSz="914400" rtl="0" eaLnBrk="1" latinLnBrk="0" hangingPunct="1">
+                <a:lnSpc>
+                  <a:spcPct val="90000"/>
+                </a:lnSpc>
+                <a:spcBef>
+                  <a:spcPts val="500"/>
+                </a:spcBef>
+                <a:buFont typeface="Arial" panose="020B0604020202020204" pitchFamily="34" charset="0"/>
+                <a:buChar char="•"/>
+                <a:defRPr sz="1800" kern="1200">
+                  <a:solidFill>
+                    <a:schemeClr val="tx1"/>
+                  </a:solidFill>
+                  <a:latin typeface="+mn-lt"/>
+                  <a:ea typeface="+mn-ea"/>
+                  <a:cs typeface="+mn-cs"/>
+                </a:defRPr>
+              </a:lvl9pPr>
+            </a:lstStyle>
+            <a:p>
+              <a:pPr marL="0" indent="0" algn="ctr">
+                <a:buNone/>
+              </a:pPr>
+              <a:r>
+                <a:rPr lang="en-US" dirty="0">
+                  <a:latin typeface="Franklin Gothic Medium" panose="020B0603020102020204" pitchFamily="34" charset="0"/>
+                </a:rPr>
+                <a:t>Time Shift</a:t>
+              </a:r>
+            </a:p>
+          </p:txBody>
+        </p:sp>
+      </p:grpSp>
       <p:graphicFrame>
         <p:nvGraphicFramePr>
           <p:cNvPr id="23" name="Table 22">
@@ -3451,14 +3475,14 @@
           <p:nvPr>
             <p:extLst>
               <p:ext uri="{D42A27DB-BD31-4B8C-83A1-F6EECF244321}">
-                <p14:modId xmlns:p14="http://schemas.microsoft.com/office/powerpoint/2010/main" val="1839265247"/>
+                <p14:modId xmlns:p14="http://schemas.microsoft.com/office/powerpoint/2010/main" val="2256712593"/>
               </p:ext>
             </p:extLst>
           </p:nvPr>
         </p:nvGraphicFramePr>
         <p:xfrm>
-          <a:off x="1264032" y="3556462"/>
-          <a:ext cx="3984957" cy="1782816"/>
+          <a:off x="1108861" y="3642360"/>
+          <a:ext cx="3984957" cy="2057873"/>
         </p:xfrm>
         <a:graphic>
           <a:graphicData uri="http://schemas.openxmlformats.org/drawingml/2006/table">
@@ -3496,7 +3520,7 @@
                   </a:extLst>
                 </a:gridCol>
               </a:tblGrid>
-              <a:tr h="297136">
+              <a:tr h="328353">
                 <a:tc>
                   <a:txBody>
                     <a:bodyPr/>
@@ -3519,16 +3543,13 @@
                         <a:tabLst/>
                         <a:defRPr/>
                       </a:pPr>
-                      <a:r>
-                        <a:rPr lang="en-US" sz="1700" b="1" dirty="0">
-                          <a:solidFill>
-                            <a:schemeClr val="tx1"/>
-                          </a:solidFill>
-                          <a:latin typeface="Times New Roman" panose="02020603050405020304" pitchFamily="18" charset="0"/>
-                          <a:cs typeface="Times New Roman" panose="02020603050405020304" pitchFamily="18" charset="0"/>
-                        </a:rPr>
-                        <a:t>ID</a:t>
-                      </a:r>
+                      <a:endParaRPr lang="en-US" sz="1700" b="0" dirty="0">
+                        <a:solidFill>
+                          <a:schemeClr val="tx1"/>
+                        </a:solidFill>
+                        <a:latin typeface="Times New Roman" panose="02020603050405020304" pitchFamily="18" charset="0"/>
+                        <a:cs typeface="Times New Roman" panose="02020603050405020304" pitchFamily="18" charset="0"/>
+                      </a:endParaRPr>
                     </a:p>
                   </a:txBody>
                   <a:tcPr marL="0" marR="0" marT="0" marB="0" anchor="ctr">
@@ -3546,16 +3567,18 @@
                       <a:headEnd type="none" w="med" len="med"/>
                       <a:tailEnd type="none" w="med" len="med"/>
                     </a:lnR>
-                    <a:lnT w="12700" cap="flat" cmpd="sng" algn="ctr">
-                      <a:noFill/>
+                    <a:lnT w="28575" cap="flat" cmpd="sng" algn="ctr">
+                      <a:solidFill>
+                        <a:schemeClr val="tx1"/>
+                      </a:solidFill>
                       <a:prstDash val="solid"/>
                       <a:round/>
                       <a:headEnd type="none" w="med" len="med"/>
                       <a:tailEnd type="none" w="med" len="med"/>
                     </a:lnT>
-                    <a:lnB w="28575" cap="flat" cmpd="sng" algn="ctr">
+                    <a:lnB w="12700" cap="flat" cmpd="sng" algn="ctr">
                       <a:solidFill>
-                        <a:srgbClr val="591D91"/>
+                        <a:schemeClr val="tx1"/>
                       </a:solidFill>
                       <a:prstDash val="solid"/>
                       <a:round/>
@@ -3596,7 +3619,7 @@
                         <a:defRPr/>
                       </a:pPr>
                       <a:r>
-                        <a:rPr lang="en-US" sz="1700" b="1" dirty="0">
+                        <a:rPr lang="en-US" sz="1700" b="0" dirty="0">
                           <a:solidFill>
                             <a:schemeClr val="tx1"/>
                           </a:solidFill>
@@ -3622,16 +3645,18 @@
                       <a:headEnd type="none" w="med" len="med"/>
                       <a:tailEnd type="none" w="med" len="med"/>
                     </a:lnR>
-                    <a:lnT w="12700" cap="flat" cmpd="sng" algn="ctr">
-                      <a:noFill/>
+                    <a:lnT w="28575" cap="flat" cmpd="sng" algn="ctr">
+                      <a:solidFill>
+                        <a:schemeClr val="tx1"/>
+                      </a:solidFill>
                       <a:prstDash val="solid"/>
                       <a:round/>
                       <a:headEnd type="none" w="med" len="med"/>
                       <a:tailEnd type="none" w="med" len="med"/>
                     </a:lnT>
-                    <a:lnB w="28575" cap="flat" cmpd="sng" algn="ctr">
+                    <a:lnB w="12700" cap="flat" cmpd="sng" algn="ctr">
                       <a:solidFill>
-                        <a:srgbClr val="591D91"/>
+                        <a:schemeClr val="tx1"/>
                       </a:solidFill>
                       <a:prstDash val="solid"/>
                       <a:round/>
@@ -3656,7 +3681,7 @@
                     <a:p>
                       <a:pPr algn="ctr"/>
                       <a:r>
-                        <a:rPr lang="en-US" sz="1700" b="1" dirty="0">
+                        <a:rPr lang="en-US" sz="1700" b="0" dirty="0">
                           <a:solidFill>
                             <a:schemeClr val="tx1"/>
                           </a:solidFill>
@@ -3682,16 +3707,18 @@
                       <a:headEnd type="none" w="med" len="med"/>
                       <a:tailEnd type="none" w="med" len="med"/>
                     </a:lnR>
-                    <a:lnT w="12700" cap="flat" cmpd="sng" algn="ctr">
-                      <a:noFill/>
+                    <a:lnT w="28575" cap="flat" cmpd="sng" algn="ctr">
+                      <a:solidFill>
+                        <a:schemeClr val="tx1"/>
+                      </a:solidFill>
                       <a:prstDash val="solid"/>
                       <a:round/>
                       <a:headEnd type="none" w="med" len="med"/>
                       <a:tailEnd type="none" w="med" len="med"/>
                     </a:lnT>
-                    <a:lnB w="28575" cap="flat" cmpd="sng" algn="ctr">
+                    <a:lnB w="12700" cap="flat" cmpd="sng" algn="ctr">
                       <a:solidFill>
-                        <a:srgbClr val="591D91"/>
+                        <a:schemeClr val="tx1"/>
                       </a:solidFill>
                       <a:prstDash val="solid"/>
                       <a:round/>
@@ -3732,7 +3759,7 @@
                         <a:defRPr/>
                       </a:pPr>
                       <a:r>
-                        <a:rPr lang="en-US" sz="1700" b="1" dirty="0">
+                        <a:rPr lang="en-US" sz="1700" b="0" dirty="0">
                           <a:solidFill>
                             <a:schemeClr val="tx1"/>
                           </a:solidFill>
@@ -3758,16 +3785,18 @@
                       <a:headEnd type="none" w="med" len="med"/>
                       <a:tailEnd type="none" w="med" len="med"/>
                     </a:lnR>
-                    <a:lnT w="12700" cap="flat" cmpd="sng" algn="ctr">
-                      <a:noFill/>
+                    <a:lnT w="28575" cap="flat" cmpd="sng" algn="ctr">
+                      <a:solidFill>
+                        <a:schemeClr val="tx1"/>
+                      </a:solidFill>
                       <a:prstDash val="solid"/>
                       <a:round/>
                       <a:headEnd type="none" w="med" len="med"/>
                       <a:tailEnd type="none" w="med" len="med"/>
                     </a:lnT>
-                    <a:lnB w="28575" cap="flat" cmpd="sng" algn="ctr">
+                    <a:lnB w="12700" cap="flat" cmpd="sng" algn="ctr">
                       <a:solidFill>
-                        <a:srgbClr val="591D91"/>
+                        <a:schemeClr val="tx1"/>
                       </a:solidFill>
                       <a:prstDash val="solid"/>
                       <a:round/>
@@ -3788,6 +3817,249 @@
                 <a:extLst>
                   <a:ext uri="{0D108BD9-81ED-4DB2-BD59-A6C34878D82A}">
                     <a16:rowId xmlns:a16="http://schemas.microsoft.com/office/drawing/2014/main" val="3206145977"/>
+                  </a:ext>
+                </a:extLst>
+              </a:tr>
+              <a:tr h="94210">
+                <a:tc>
+                  <a:txBody>
+                    <a:bodyPr/>
+                    <a:lstStyle/>
+                    <a:p>
+                      <a:pPr algn="ctr"/>
+                      <a:endParaRPr lang="en-US" sz="800" b="0" dirty="0">
+                        <a:solidFill>
+                          <a:schemeClr val="bg1">
+                            <a:lumMod val="75000"/>
+                          </a:schemeClr>
+                        </a:solidFill>
+                        <a:latin typeface="Times New Roman" panose="02020603050405020304" pitchFamily="18" charset="0"/>
+                        <a:cs typeface="Times New Roman" panose="02020603050405020304" pitchFamily="18" charset="0"/>
+                      </a:endParaRPr>
+                    </a:p>
+                  </a:txBody>
+                  <a:tcPr marL="0" marR="0" marT="0" marB="0" anchor="ctr">
+                    <a:lnL w="12700" cap="flat" cmpd="sng" algn="ctr">
+                      <a:noFill/>
+                      <a:prstDash val="solid"/>
+                      <a:round/>
+                      <a:headEnd type="none" w="med" len="med"/>
+                      <a:tailEnd type="none" w="med" len="med"/>
+                    </a:lnL>
+                    <a:lnR w="12700" cap="flat" cmpd="sng" algn="ctr">
+                      <a:noFill/>
+                      <a:prstDash val="solid"/>
+                      <a:round/>
+                      <a:headEnd type="none" w="med" len="med"/>
+                      <a:tailEnd type="none" w="med" len="med"/>
+                    </a:lnR>
+                    <a:lnT w="12700" cap="flat" cmpd="sng" algn="ctr">
+                      <a:solidFill>
+                        <a:schemeClr val="tx1"/>
+                      </a:solidFill>
+                      <a:prstDash val="solid"/>
+                      <a:round/>
+                      <a:headEnd type="none" w="med" len="med"/>
+                      <a:tailEnd type="none" w="med" len="med"/>
+                    </a:lnT>
+                    <a:lnB w="28575" cap="flat" cmpd="sng" algn="ctr">
+                      <a:noFill/>
+                      <a:prstDash val="solid"/>
+                      <a:round/>
+                      <a:headEnd type="none" w="med" len="med"/>
+                      <a:tailEnd type="none" w="med" len="med"/>
+                    </a:lnB>
+                    <a:lnTlToBr w="12700" cmpd="sng">
+                      <a:noFill/>
+                      <a:prstDash val="solid"/>
+                    </a:lnTlToBr>
+                    <a:lnBlToTr w="12700" cmpd="sng">
+                      <a:noFill/>
+                      <a:prstDash val="solid"/>
+                    </a:lnBlToTr>
+                    <a:noFill/>
+                  </a:tcPr>
+                </a:tc>
+                <a:tc>
+                  <a:txBody>
+                    <a:bodyPr/>
+                    <a:lstStyle/>
+                    <a:p>
+                      <a:pPr algn="ctr"/>
+                      <a:endParaRPr lang="en-US" sz="800" b="0" dirty="0">
+                        <a:solidFill>
+                          <a:schemeClr val="bg1">
+                            <a:lumMod val="75000"/>
+                          </a:schemeClr>
+                        </a:solidFill>
+                        <a:latin typeface="Times New Roman" panose="02020603050405020304" pitchFamily="18" charset="0"/>
+                        <a:cs typeface="Times New Roman" panose="02020603050405020304" pitchFamily="18" charset="0"/>
+                      </a:endParaRPr>
+                    </a:p>
+                  </a:txBody>
+                  <a:tcPr marL="0" marR="0" marT="0" marB="0" anchor="ctr">
+                    <a:lnL w="12700" cap="flat" cmpd="sng" algn="ctr">
+                      <a:noFill/>
+                      <a:prstDash val="solid"/>
+                      <a:round/>
+                      <a:headEnd type="none" w="med" len="med"/>
+                      <a:tailEnd type="none" w="med" len="med"/>
+                    </a:lnL>
+                    <a:lnR w="12700" cap="flat" cmpd="sng" algn="ctr">
+                      <a:noFill/>
+                      <a:prstDash val="solid"/>
+                      <a:round/>
+                      <a:headEnd type="none" w="med" len="med"/>
+                      <a:tailEnd type="none" w="med" len="med"/>
+                    </a:lnR>
+                    <a:lnT w="12700" cap="flat" cmpd="sng" algn="ctr">
+                      <a:solidFill>
+                        <a:schemeClr val="tx1"/>
+                      </a:solidFill>
+                      <a:prstDash val="solid"/>
+                      <a:round/>
+                      <a:headEnd type="none" w="med" len="med"/>
+                      <a:tailEnd type="none" w="med" len="med"/>
+                    </a:lnT>
+                    <a:lnB w="28575" cap="flat" cmpd="sng" algn="ctr">
+                      <a:noFill/>
+                      <a:prstDash val="solid"/>
+                      <a:round/>
+                      <a:headEnd type="none" w="med" len="med"/>
+                      <a:tailEnd type="none" w="med" len="med"/>
+                    </a:lnB>
+                    <a:lnTlToBr w="12700" cmpd="sng">
+                      <a:noFill/>
+                      <a:prstDash val="solid"/>
+                    </a:lnTlToBr>
+                    <a:lnBlToTr w="12700" cmpd="sng">
+                      <a:noFill/>
+                      <a:prstDash val="solid"/>
+                    </a:lnBlToTr>
+                    <a:noFill/>
+                  </a:tcPr>
+                </a:tc>
+                <a:tc>
+                  <a:txBody>
+                    <a:bodyPr/>
+                    <a:lstStyle/>
+                    <a:p>
+                      <a:pPr algn="ctr"/>
+                      <a:endParaRPr lang="en-US" sz="800" b="0" dirty="0">
+                        <a:solidFill>
+                          <a:schemeClr val="bg1">
+                            <a:lumMod val="75000"/>
+                          </a:schemeClr>
+                        </a:solidFill>
+                        <a:latin typeface="Times New Roman" panose="02020603050405020304" pitchFamily="18" charset="0"/>
+                        <a:cs typeface="Times New Roman" panose="02020603050405020304" pitchFamily="18" charset="0"/>
+                      </a:endParaRPr>
+                    </a:p>
+                  </a:txBody>
+                  <a:tcPr marL="0" marR="0" marT="0" marB="0" anchor="ctr">
+                    <a:lnL w="12700" cap="flat" cmpd="sng" algn="ctr">
+                      <a:noFill/>
+                      <a:prstDash val="solid"/>
+                      <a:round/>
+                      <a:headEnd type="none" w="med" len="med"/>
+                      <a:tailEnd type="none" w="med" len="med"/>
+                    </a:lnL>
+                    <a:lnR w="12700" cap="flat" cmpd="sng" algn="ctr">
+                      <a:noFill/>
+                      <a:prstDash val="solid"/>
+                      <a:round/>
+                      <a:headEnd type="none" w="med" len="med"/>
+                      <a:tailEnd type="none" w="med" len="med"/>
+                    </a:lnR>
+                    <a:lnT w="12700" cap="flat" cmpd="sng" algn="ctr">
+                      <a:solidFill>
+                        <a:schemeClr val="tx1"/>
+                      </a:solidFill>
+                      <a:prstDash val="solid"/>
+                      <a:round/>
+                      <a:headEnd type="none" w="med" len="med"/>
+                      <a:tailEnd type="none" w="med" len="med"/>
+                    </a:lnT>
+                    <a:lnB w="28575" cap="flat" cmpd="sng" algn="ctr">
+                      <a:noFill/>
+                      <a:prstDash val="solid"/>
+                      <a:round/>
+                      <a:headEnd type="none" w="med" len="med"/>
+                      <a:tailEnd type="none" w="med" len="med"/>
+                    </a:lnB>
+                    <a:lnTlToBr w="12700" cmpd="sng">
+                      <a:noFill/>
+                      <a:prstDash val="solid"/>
+                    </a:lnTlToBr>
+                    <a:lnBlToTr w="12700" cmpd="sng">
+                      <a:noFill/>
+                      <a:prstDash val="solid"/>
+                    </a:lnBlToTr>
+                    <a:noFill/>
+                  </a:tcPr>
+                </a:tc>
+                <a:tc>
+                  <a:txBody>
+                    <a:bodyPr/>
+                    <a:lstStyle/>
+                    <a:p>
+                      <a:pPr algn="ctr"/>
+                      <a:endParaRPr lang="en-US" sz="800" b="0" dirty="0">
+                        <a:solidFill>
+                          <a:schemeClr val="bg1">
+                            <a:lumMod val="75000"/>
+                          </a:schemeClr>
+                        </a:solidFill>
+                        <a:latin typeface="Times New Roman" panose="02020603050405020304" pitchFamily="18" charset="0"/>
+                        <a:cs typeface="Times New Roman" panose="02020603050405020304" pitchFamily="18" charset="0"/>
+                      </a:endParaRPr>
+                    </a:p>
+                  </a:txBody>
+                  <a:tcPr marL="0" marR="0" marT="0" marB="0" anchor="ctr">
+                    <a:lnL w="12700" cap="flat" cmpd="sng" algn="ctr">
+                      <a:noFill/>
+                      <a:prstDash val="solid"/>
+                      <a:round/>
+                      <a:headEnd type="none" w="med" len="med"/>
+                      <a:tailEnd type="none" w="med" len="med"/>
+                    </a:lnL>
+                    <a:lnR w="12700" cap="flat" cmpd="sng" algn="ctr">
+                      <a:noFill/>
+                      <a:prstDash val="solid"/>
+                      <a:round/>
+                      <a:headEnd type="none" w="med" len="med"/>
+                      <a:tailEnd type="none" w="med" len="med"/>
+                    </a:lnR>
+                    <a:lnT w="12700" cap="flat" cmpd="sng" algn="ctr">
+                      <a:solidFill>
+                        <a:schemeClr val="tx1"/>
+                      </a:solidFill>
+                      <a:prstDash val="solid"/>
+                      <a:round/>
+                      <a:headEnd type="none" w="med" len="med"/>
+                      <a:tailEnd type="none" w="med" len="med"/>
+                    </a:lnT>
+                    <a:lnB w="28575" cap="flat" cmpd="sng" algn="ctr">
+                      <a:noFill/>
+                      <a:prstDash val="solid"/>
+                      <a:round/>
+                      <a:headEnd type="none" w="med" len="med"/>
+                      <a:tailEnd type="none" w="med" len="med"/>
+                    </a:lnB>
+                    <a:lnTlToBr w="12700" cmpd="sng">
+                      <a:noFill/>
+                      <a:prstDash val="solid"/>
+                    </a:lnTlToBr>
+                    <a:lnBlToTr w="12700" cmpd="sng">
+                      <a:noFill/>
+                      <a:prstDash val="solid"/>
+                    </a:lnBlToTr>
+                    <a:noFill/>
+                  </a:tcPr>
+                </a:tc>
+                <a:extLst>
+                  <a:ext uri="{0D108BD9-81ED-4DB2-BD59-A6C34878D82A}">
+                    <a16:rowId xmlns:a16="http://schemas.microsoft.com/office/drawing/2014/main" val="926017267"/>
                   </a:ext>
                 </a:extLst>
               </a:tr>
@@ -3828,9 +4100,7 @@
                       <a:tailEnd type="none" w="med" len="med"/>
                     </a:lnR>
                     <a:lnT w="28575" cap="flat" cmpd="sng" algn="ctr">
-                      <a:solidFill>
-                        <a:srgbClr val="591D91"/>
-                      </a:solidFill>
+                      <a:noFill/>
                       <a:prstDash val="solid"/>
                       <a:round/>
                       <a:headEnd type="none" w="med" len="med"/>
@@ -3892,9 +4162,7 @@
                       <a:tailEnd type="none" w="med" len="med"/>
                     </a:lnR>
                     <a:lnT w="28575" cap="flat" cmpd="sng" algn="ctr">
-                      <a:solidFill>
-                        <a:srgbClr val="591D91"/>
-                      </a:solidFill>
+                      <a:noFill/>
                       <a:prstDash val="solid"/>
                       <a:round/>
                       <a:headEnd type="none" w="med" len="med"/>
@@ -3958,9 +4226,7 @@
                       <a:tailEnd type="none" w="med" len="med"/>
                     </a:lnR>
                     <a:lnT w="28575" cap="flat" cmpd="sng" algn="ctr">
-                      <a:solidFill>
-                        <a:srgbClr val="591D91"/>
-                      </a:solidFill>
+                      <a:noFill/>
                       <a:prstDash val="solid"/>
                       <a:round/>
                       <a:headEnd type="none" w="med" len="med"/>
@@ -4022,9 +4288,7 @@
                       <a:tailEnd type="none" w="med" len="med"/>
                     </a:lnR>
                     <a:lnT w="28575" cap="flat" cmpd="sng" algn="ctr">
-                      <a:solidFill>
-                        <a:srgbClr val="591D91"/>
-                      </a:solidFill>
+                      <a:noFill/>
                       <a:prstDash val="solid"/>
                       <a:round/>
                       <a:headEnd type="none" w="med" len="med"/>
@@ -4958,7 +5222,7 @@
                       <a:headEnd type="none" w="med" len="med"/>
                       <a:tailEnd type="none" w="med" len="med"/>
                     </a:lnT>
-                    <a:lnB w="12700" cap="flat" cmpd="sng" algn="ctr">
+                    <a:lnB w="28575" cap="flat" cmpd="sng" algn="ctr">
                       <a:noFill/>
                       <a:prstDash val="solid"/>
                       <a:round/>
@@ -5020,7 +5284,7 @@
                       <a:headEnd type="none" w="med" len="med"/>
                       <a:tailEnd type="none" w="med" len="med"/>
                     </a:lnT>
-                    <a:lnB w="12700" cap="flat" cmpd="sng" algn="ctr">
+                    <a:lnB w="28575" cap="flat" cmpd="sng" algn="ctr">
                       <a:noFill/>
                       <a:prstDash val="solid"/>
                       <a:round/>
@@ -5082,7 +5346,7 @@
                       <a:headEnd type="none" w="med" len="med"/>
                       <a:tailEnd type="none" w="med" len="med"/>
                     </a:lnT>
-                    <a:lnB w="12700" cap="flat" cmpd="sng" algn="ctr">
+                    <a:lnB w="28575" cap="flat" cmpd="sng" algn="ctr">
                       <a:noFill/>
                       <a:prstDash val="solid"/>
                       <a:round/>
@@ -5188,6 +5452,265 @@
                   </a:ext>
                 </a:extLst>
               </a:tr>
+              <a:tr h="93738">
+                <a:tc>
+                  <a:txBody>
+                    <a:bodyPr/>
+                    <a:lstStyle/>
+                    <a:p>
+                      <a:pPr algn="ctr"/>
+                      <a:endParaRPr lang="en-US" sz="800" b="0" dirty="0">
+                        <a:solidFill>
+                          <a:schemeClr val="bg1">
+                            <a:lumMod val="75000"/>
+                          </a:schemeClr>
+                        </a:solidFill>
+                        <a:latin typeface="Times New Roman" panose="02020603050405020304" pitchFamily="18" charset="0"/>
+                        <a:cs typeface="Times New Roman" panose="02020603050405020304" pitchFamily="18" charset="0"/>
+                      </a:endParaRPr>
+                    </a:p>
+                  </a:txBody>
+                  <a:tcPr marL="0" marR="0" marT="0" marB="0" anchor="ctr">
+                    <a:lnL w="12700" cap="flat" cmpd="sng" algn="ctr">
+                      <a:noFill/>
+                      <a:prstDash val="solid"/>
+                      <a:round/>
+                      <a:headEnd type="none" w="med" len="med"/>
+                      <a:tailEnd type="none" w="med" len="med"/>
+                    </a:lnL>
+                    <a:lnR w="12700" cap="flat" cmpd="sng" algn="ctr">
+                      <a:noFill/>
+                      <a:prstDash val="solid"/>
+                      <a:round/>
+                      <a:headEnd type="none" w="med" len="med"/>
+                      <a:tailEnd type="none" w="med" len="med"/>
+                    </a:lnR>
+                    <a:lnT w="12700" cap="flat" cmpd="sng" algn="ctr">
+                      <a:noFill/>
+                      <a:prstDash val="solid"/>
+                      <a:round/>
+                      <a:headEnd type="none" w="med" len="med"/>
+                      <a:tailEnd type="none" w="med" len="med"/>
+                    </a:lnT>
+                    <a:lnB w="19050" cap="flat" cmpd="sng" algn="ctr">
+                      <a:solidFill>
+                        <a:schemeClr val="tx1"/>
+                      </a:solidFill>
+                      <a:prstDash val="solid"/>
+                      <a:round/>
+                      <a:headEnd type="none" w="med" len="med"/>
+                      <a:tailEnd type="none" w="med" len="med"/>
+                    </a:lnB>
+                    <a:lnTlToBr w="12700" cmpd="sng">
+                      <a:noFill/>
+                      <a:prstDash val="solid"/>
+                    </a:lnTlToBr>
+                    <a:lnBlToTr w="12700" cmpd="sng">
+                      <a:noFill/>
+                      <a:prstDash val="solid"/>
+                    </a:lnBlToTr>
+                    <a:noFill/>
+                  </a:tcPr>
+                </a:tc>
+                <a:tc>
+                  <a:txBody>
+                    <a:bodyPr/>
+                    <a:lstStyle/>
+                    <a:p>
+                      <a:pPr algn="ctr"/>
+                      <a:endParaRPr lang="en-US" sz="800" b="0" dirty="0">
+                        <a:solidFill>
+                          <a:schemeClr val="bg1">
+                            <a:lumMod val="75000"/>
+                          </a:schemeClr>
+                        </a:solidFill>
+                        <a:latin typeface="Times New Roman" panose="02020603050405020304" pitchFamily="18" charset="0"/>
+                        <a:cs typeface="Times New Roman" panose="02020603050405020304" pitchFamily="18" charset="0"/>
+                      </a:endParaRPr>
+                    </a:p>
+                  </a:txBody>
+                  <a:tcPr marL="0" marR="0" marT="0" marB="0" anchor="ctr">
+                    <a:lnL w="12700" cap="flat" cmpd="sng" algn="ctr">
+                      <a:noFill/>
+                      <a:prstDash val="solid"/>
+                      <a:round/>
+                      <a:headEnd type="none" w="med" len="med"/>
+                      <a:tailEnd type="none" w="med" len="med"/>
+                    </a:lnL>
+                    <a:lnR w="12700" cap="flat" cmpd="sng" algn="ctr">
+                      <a:noFill/>
+                      <a:prstDash val="solid"/>
+                      <a:round/>
+                      <a:headEnd type="none" w="med" len="med"/>
+                      <a:tailEnd type="none" w="med" len="med"/>
+                    </a:lnR>
+                    <a:lnT w="12700" cap="flat" cmpd="sng" algn="ctr">
+                      <a:noFill/>
+                      <a:prstDash val="solid"/>
+                      <a:round/>
+                      <a:headEnd type="none" w="med" len="med"/>
+                      <a:tailEnd type="none" w="med" len="med"/>
+                    </a:lnT>
+                    <a:lnB w="19050" cap="flat" cmpd="sng" algn="ctr">
+                      <a:solidFill>
+                        <a:schemeClr val="tx1"/>
+                      </a:solidFill>
+                      <a:prstDash val="solid"/>
+                      <a:round/>
+                      <a:headEnd type="none" w="med" len="med"/>
+                      <a:tailEnd type="none" w="med" len="med"/>
+                    </a:lnB>
+                    <a:lnTlToBr w="12700" cmpd="sng">
+                      <a:noFill/>
+                      <a:prstDash val="solid"/>
+                    </a:lnTlToBr>
+                    <a:lnBlToTr w="12700" cmpd="sng">
+                      <a:noFill/>
+                      <a:prstDash val="solid"/>
+                    </a:lnBlToTr>
+                    <a:noFill/>
+                  </a:tcPr>
+                </a:tc>
+                <a:tc>
+                  <a:txBody>
+                    <a:bodyPr/>
+                    <a:lstStyle/>
+                    <a:p>
+                      <a:pPr algn="ctr"/>
+                      <a:endParaRPr lang="en-US" sz="800" b="0" dirty="0">
+                        <a:solidFill>
+                          <a:schemeClr val="bg1">
+                            <a:lumMod val="75000"/>
+                          </a:schemeClr>
+                        </a:solidFill>
+                        <a:latin typeface="Times New Roman" panose="02020603050405020304" pitchFamily="18" charset="0"/>
+                        <a:cs typeface="Times New Roman" panose="02020603050405020304" pitchFamily="18" charset="0"/>
+                      </a:endParaRPr>
+                    </a:p>
+                  </a:txBody>
+                  <a:tcPr marL="0" marR="0" marT="0" marB="0" anchor="ctr">
+                    <a:lnL w="12700" cap="flat" cmpd="sng" algn="ctr">
+                      <a:noFill/>
+                      <a:prstDash val="solid"/>
+                      <a:round/>
+                      <a:headEnd type="none" w="med" len="med"/>
+                      <a:tailEnd type="none" w="med" len="med"/>
+                    </a:lnL>
+                    <a:lnR w="12700" cap="flat" cmpd="sng" algn="ctr">
+                      <a:noFill/>
+                      <a:prstDash val="solid"/>
+                      <a:round/>
+                      <a:headEnd type="none" w="med" len="med"/>
+                      <a:tailEnd type="none" w="med" len="med"/>
+                    </a:lnR>
+                    <a:lnT w="12700" cap="flat" cmpd="sng" algn="ctr">
+                      <a:noFill/>
+                      <a:prstDash val="solid"/>
+                      <a:round/>
+                      <a:headEnd type="none" w="med" len="med"/>
+                      <a:tailEnd type="none" w="med" len="med"/>
+                    </a:lnT>
+                    <a:lnB w="19050" cap="flat" cmpd="sng" algn="ctr">
+                      <a:solidFill>
+                        <a:schemeClr val="tx1"/>
+                      </a:solidFill>
+                      <a:prstDash val="solid"/>
+                      <a:round/>
+                      <a:headEnd type="none" w="med" len="med"/>
+                      <a:tailEnd type="none" w="med" len="med"/>
+                    </a:lnB>
+                    <a:lnTlToBr w="12700" cmpd="sng">
+                      <a:noFill/>
+                      <a:prstDash val="solid"/>
+                    </a:lnTlToBr>
+                    <a:lnBlToTr w="12700" cmpd="sng">
+                      <a:noFill/>
+                      <a:prstDash val="solid"/>
+                    </a:lnBlToTr>
+                    <a:noFill/>
+                  </a:tcPr>
+                </a:tc>
+                <a:tc>
+                  <a:txBody>
+                    <a:bodyPr/>
+                    <a:lstStyle/>
+                    <a:p>
+                      <a:pPr marL="0" marR="0" lvl="0" indent="0" algn="ctr" defTabSz="914400" rtl="0" eaLnBrk="1" fontAlgn="auto" latinLnBrk="0" hangingPunct="1">
+                        <a:lnSpc>
+                          <a:spcPct val="100000"/>
+                        </a:lnSpc>
+                        <a:spcBef>
+                          <a:spcPts val="0"/>
+                        </a:spcBef>
+                        <a:spcAft>
+                          <a:spcPts val="0"/>
+                        </a:spcAft>
+                        <a:buClrTx/>
+                        <a:buSzTx/>
+                        <a:buFontTx/>
+                        <a:buNone/>
+                        <a:tabLst/>
+                        <a:defRPr/>
+                      </a:pPr>
+                      <a:endParaRPr lang="en-US" sz="800" b="0" dirty="0">
+                        <a:solidFill>
+                          <a:schemeClr val="bg1">
+                            <a:lumMod val="75000"/>
+                          </a:schemeClr>
+                        </a:solidFill>
+                        <a:latin typeface="Times New Roman" panose="02020603050405020304" pitchFamily="18" charset="0"/>
+                        <a:cs typeface="Times New Roman" panose="02020603050405020304" pitchFamily="18" charset="0"/>
+                      </a:endParaRPr>
+                    </a:p>
+                  </a:txBody>
+                  <a:tcPr marL="0" marR="0" marT="0" marB="0" anchor="ctr">
+                    <a:lnL w="12700" cap="flat" cmpd="sng" algn="ctr">
+                      <a:noFill/>
+                      <a:prstDash val="solid"/>
+                      <a:round/>
+                      <a:headEnd type="none" w="med" len="med"/>
+                      <a:tailEnd type="none" w="med" len="med"/>
+                    </a:lnL>
+                    <a:lnR w="12700" cap="flat" cmpd="sng" algn="ctr">
+                      <a:noFill/>
+                      <a:prstDash val="solid"/>
+                      <a:round/>
+                      <a:headEnd type="none" w="med" len="med"/>
+                      <a:tailEnd type="none" w="med" len="med"/>
+                    </a:lnR>
+                    <a:lnT w="12700" cap="flat" cmpd="sng" algn="ctr">
+                      <a:noFill/>
+                      <a:prstDash val="solid"/>
+                      <a:round/>
+                      <a:headEnd type="none" w="med" len="med"/>
+                      <a:tailEnd type="none" w="med" len="med"/>
+                    </a:lnT>
+                    <a:lnB w="19050" cap="flat" cmpd="sng" algn="ctr">
+                      <a:solidFill>
+                        <a:schemeClr val="tx1"/>
+                      </a:solidFill>
+                      <a:prstDash val="solid"/>
+                      <a:round/>
+                      <a:headEnd type="none" w="med" len="med"/>
+                      <a:tailEnd type="none" w="med" len="med"/>
+                    </a:lnB>
+                    <a:lnTlToBr w="12700" cmpd="sng">
+                      <a:noFill/>
+                      <a:prstDash val="solid"/>
+                    </a:lnTlToBr>
+                    <a:lnBlToTr w="12700" cmpd="sng">
+                      <a:noFill/>
+                      <a:prstDash val="solid"/>
+                    </a:lnBlToTr>
+                    <a:noFill/>
+                  </a:tcPr>
+                </a:tc>
+                <a:extLst>
+                  <a:ext uri="{0D108BD9-81ED-4DB2-BD59-A6C34878D82A}">
+                    <a16:rowId xmlns:a16="http://schemas.microsoft.com/office/drawing/2014/main" val="875577148"/>
+                  </a:ext>
+                </a:extLst>
+              </a:tr>
             </a:tbl>
           </a:graphicData>
         </a:graphic>
@@ -5207,14 +5730,14 @@
           <p:nvPr>
             <p:extLst>
               <p:ext uri="{D42A27DB-BD31-4B8C-83A1-F6EECF244321}">
-                <p14:modId xmlns:p14="http://schemas.microsoft.com/office/powerpoint/2010/main" val="3949047118"/>
+                <p14:modId xmlns:p14="http://schemas.microsoft.com/office/powerpoint/2010/main" val="2657047555"/>
               </p:ext>
             </p:extLst>
           </p:nvPr>
         </p:nvGraphicFramePr>
         <p:xfrm>
-          <a:off x="6722198" y="3556462"/>
-          <a:ext cx="4663494" cy="1782816"/>
+          <a:off x="6567027" y="3642360"/>
+          <a:ext cx="4663494" cy="2057873"/>
         </p:xfrm>
         <a:graphic>
           <a:graphicData uri="http://schemas.openxmlformats.org/drawingml/2006/table">
@@ -5252,7 +5775,7 @@
                   </a:extLst>
                 </a:gridCol>
               </a:tblGrid>
-              <a:tr h="297136">
+              <a:tr h="328353">
                 <a:tc>
                   <a:txBody>
                     <a:bodyPr/>
@@ -5275,16 +5798,13 @@
                         <a:tabLst/>
                         <a:defRPr/>
                       </a:pPr>
-                      <a:r>
-                        <a:rPr lang="en-US" sz="1700" b="1" dirty="0">
-                          <a:solidFill>
-                            <a:schemeClr val="tx1"/>
-                          </a:solidFill>
-                          <a:latin typeface="Times New Roman" panose="02020603050405020304" pitchFamily="18" charset="0"/>
-                          <a:cs typeface="Times New Roman" panose="02020603050405020304" pitchFamily="18" charset="0"/>
-                        </a:rPr>
-                        <a:t>ID</a:t>
-                      </a:r>
+                      <a:endParaRPr lang="en-US" sz="1700" b="0" dirty="0">
+                        <a:solidFill>
+                          <a:schemeClr val="tx1"/>
+                        </a:solidFill>
+                        <a:latin typeface="Times New Roman" panose="02020603050405020304" pitchFamily="18" charset="0"/>
+                        <a:cs typeface="Times New Roman" panose="02020603050405020304" pitchFamily="18" charset="0"/>
+                      </a:endParaRPr>
                     </a:p>
                   </a:txBody>
                   <a:tcPr marL="0" marR="0" marT="0" marB="0" anchor="ctr">
@@ -5302,16 +5822,18 @@
                       <a:headEnd type="none" w="med" len="med"/>
                       <a:tailEnd type="none" w="med" len="med"/>
                     </a:lnR>
-                    <a:lnT w="12700" cap="flat" cmpd="sng" algn="ctr">
-                      <a:noFill/>
+                    <a:lnT w="28575" cap="flat" cmpd="sng" algn="ctr">
+                      <a:solidFill>
+                        <a:schemeClr val="tx1"/>
+                      </a:solidFill>
                       <a:prstDash val="solid"/>
                       <a:round/>
                       <a:headEnd type="none" w="med" len="med"/>
                       <a:tailEnd type="none" w="med" len="med"/>
                     </a:lnT>
-                    <a:lnB w="28575" cap="flat" cmpd="sng" algn="ctr">
+                    <a:lnB w="12700" cap="flat" cmpd="sng" algn="ctr">
                       <a:solidFill>
-                        <a:srgbClr val="591D91"/>
+                        <a:schemeClr val="tx1"/>
                       </a:solidFill>
                       <a:prstDash val="solid"/>
                       <a:round/>
@@ -5352,7 +5874,7 @@
                         <a:defRPr/>
                       </a:pPr>
                       <a:r>
-                        <a:rPr lang="en-US" sz="1700" b="1" dirty="0" err="1">
+                        <a:rPr lang="en-US" sz="1700" b="0" dirty="0" err="1">
                           <a:solidFill>
                             <a:schemeClr val="tx1"/>
                           </a:solidFill>
@@ -5361,7 +5883,7 @@
                         </a:rPr>
                         <a:t>Density.Past</a:t>
                       </a:r>
-                      <a:endParaRPr lang="en-US" sz="1700" b="1" dirty="0">
+                      <a:endParaRPr lang="en-US" sz="1700" b="0" dirty="0">
                         <a:solidFill>
                           <a:schemeClr val="tx1"/>
                         </a:solidFill>
@@ -5385,16 +5907,18 @@
                       <a:headEnd type="none" w="med" len="med"/>
                       <a:tailEnd type="none" w="med" len="med"/>
                     </a:lnR>
-                    <a:lnT w="12700" cap="flat" cmpd="sng" algn="ctr">
-                      <a:noFill/>
+                    <a:lnT w="28575" cap="flat" cmpd="sng" algn="ctr">
+                      <a:solidFill>
+                        <a:schemeClr val="tx1"/>
+                      </a:solidFill>
                       <a:prstDash val="solid"/>
                       <a:round/>
                       <a:headEnd type="none" w="med" len="med"/>
                       <a:tailEnd type="none" w="med" len="med"/>
                     </a:lnT>
-                    <a:lnB w="28575" cap="flat" cmpd="sng" algn="ctr">
+                    <a:lnB w="12700" cap="flat" cmpd="sng" algn="ctr">
                       <a:solidFill>
-                        <a:srgbClr val="591D91"/>
+                        <a:schemeClr val="tx1"/>
                       </a:solidFill>
                       <a:prstDash val="solid"/>
                       <a:round/>
@@ -5419,7 +5943,7 @@
                     <a:p>
                       <a:pPr algn="ctr"/>
                       <a:r>
-                        <a:rPr lang="en-US" sz="1700" b="1" dirty="0">
+                        <a:rPr lang="en-US" sz="1700" b="0" dirty="0">
                           <a:solidFill>
                             <a:schemeClr val="tx1"/>
                           </a:solidFill>
@@ -5445,16 +5969,18 @@
                       <a:headEnd type="none" w="med" len="med"/>
                       <a:tailEnd type="none" w="med" len="med"/>
                     </a:lnR>
-                    <a:lnT w="12700" cap="flat" cmpd="sng" algn="ctr">
-                      <a:noFill/>
+                    <a:lnT w="28575" cap="flat" cmpd="sng" algn="ctr">
+                      <a:solidFill>
+                        <a:schemeClr val="tx1"/>
+                      </a:solidFill>
                       <a:prstDash val="solid"/>
                       <a:round/>
                       <a:headEnd type="none" w="med" len="med"/>
                       <a:tailEnd type="none" w="med" len="med"/>
                     </a:lnT>
-                    <a:lnB w="28575" cap="flat" cmpd="sng" algn="ctr">
+                    <a:lnB w="12700" cap="flat" cmpd="sng" algn="ctr">
                       <a:solidFill>
-                        <a:srgbClr val="591D91"/>
+                        <a:schemeClr val="tx1"/>
                       </a:solidFill>
                       <a:prstDash val="solid"/>
                       <a:round/>
@@ -5495,7 +6021,7 @@
                         <a:defRPr/>
                       </a:pPr>
                       <a:r>
-                        <a:rPr lang="en-US" sz="1700" b="1" dirty="0" err="1">
+                        <a:rPr lang="en-US" sz="1700" b="0" dirty="0" err="1">
                           <a:solidFill>
                             <a:schemeClr val="tx1"/>
                           </a:solidFill>
@@ -5504,7 +6030,7 @@
                         </a:rPr>
                         <a:t>Density.Future</a:t>
                       </a:r>
-                      <a:endParaRPr lang="en-US" sz="1700" b="1" dirty="0">
+                      <a:endParaRPr lang="en-US" sz="1700" b="0" dirty="0">
                         <a:solidFill>
                           <a:schemeClr val="tx1"/>
                         </a:solidFill>
@@ -5528,16 +6054,18 @@
                       <a:headEnd type="none" w="med" len="med"/>
                       <a:tailEnd type="none" w="med" len="med"/>
                     </a:lnR>
-                    <a:lnT w="12700" cap="flat" cmpd="sng" algn="ctr">
-                      <a:noFill/>
+                    <a:lnT w="28575" cap="flat" cmpd="sng" algn="ctr">
+                      <a:solidFill>
+                        <a:schemeClr val="tx1"/>
+                      </a:solidFill>
                       <a:prstDash val="solid"/>
                       <a:round/>
                       <a:headEnd type="none" w="med" len="med"/>
                       <a:tailEnd type="none" w="med" len="med"/>
                     </a:lnT>
-                    <a:lnB w="28575" cap="flat" cmpd="sng" algn="ctr">
+                    <a:lnB w="12700" cap="flat" cmpd="sng" algn="ctr">
                       <a:solidFill>
-                        <a:srgbClr val="591D91"/>
+                        <a:schemeClr val="tx1"/>
                       </a:solidFill>
                       <a:prstDash val="solid"/>
                       <a:round/>
@@ -5558,6 +6086,247 @@
                 <a:extLst>
                   <a:ext uri="{0D108BD9-81ED-4DB2-BD59-A6C34878D82A}">
                     <a16:rowId xmlns:a16="http://schemas.microsoft.com/office/drawing/2014/main" val="3803046713"/>
+                  </a:ext>
+                </a:extLst>
+              </a:tr>
+              <a:tr h="0">
+                <a:tc>
+                  <a:txBody>
+                    <a:bodyPr/>
+                    <a:lstStyle/>
+                    <a:p>
+                      <a:pPr algn="ctr"/>
+                      <a:endParaRPr lang="en-US" sz="800" b="0" dirty="0">
+                        <a:solidFill>
+                          <a:schemeClr val="bg1">
+                            <a:lumMod val="75000"/>
+                          </a:schemeClr>
+                        </a:solidFill>
+                        <a:latin typeface="Times New Roman" panose="02020603050405020304" pitchFamily="18" charset="0"/>
+                        <a:cs typeface="Times New Roman" panose="02020603050405020304" pitchFamily="18" charset="0"/>
+                      </a:endParaRPr>
+                    </a:p>
+                  </a:txBody>
+                  <a:tcPr marL="0" marR="0" marT="0" marB="0" anchor="ctr">
+                    <a:lnL w="12700" cap="flat" cmpd="sng" algn="ctr">
+                      <a:noFill/>
+                      <a:prstDash val="solid"/>
+                      <a:round/>
+                      <a:headEnd type="none" w="med" len="med"/>
+                      <a:tailEnd type="none" w="med" len="med"/>
+                    </a:lnL>
+                    <a:lnR w="12700" cap="flat" cmpd="sng" algn="ctr">
+                      <a:noFill/>
+                      <a:prstDash val="solid"/>
+                      <a:round/>
+                      <a:headEnd type="none" w="med" len="med"/>
+                      <a:tailEnd type="none" w="med" len="med"/>
+                    </a:lnR>
+                    <a:lnT w="12700" cap="flat" cmpd="sng" algn="ctr">
+                      <a:solidFill>
+                        <a:schemeClr val="tx1"/>
+                      </a:solidFill>
+                      <a:prstDash val="solid"/>
+                      <a:round/>
+                      <a:headEnd type="none" w="med" len="med"/>
+                      <a:tailEnd type="none" w="med" len="med"/>
+                    </a:lnT>
+                    <a:lnB w="28575" cap="flat" cmpd="sng" algn="ctr">
+                      <a:noFill/>
+                      <a:prstDash val="solid"/>
+                      <a:round/>
+                      <a:headEnd type="none" w="med" len="med"/>
+                      <a:tailEnd type="none" w="med" len="med"/>
+                    </a:lnB>
+                    <a:lnTlToBr w="12700" cmpd="sng">
+                      <a:noFill/>
+                      <a:prstDash val="solid"/>
+                    </a:lnTlToBr>
+                    <a:lnBlToTr w="12700" cmpd="sng">
+                      <a:noFill/>
+                      <a:prstDash val="solid"/>
+                    </a:lnBlToTr>
+                    <a:noFill/>
+                  </a:tcPr>
+                </a:tc>
+                <a:tc>
+                  <a:txBody>
+                    <a:bodyPr/>
+                    <a:lstStyle/>
+                    <a:p>
+                      <a:pPr algn="ctr"/>
+                      <a:endParaRPr lang="en-US" sz="800" b="0" dirty="0">
+                        <a:solidFill>
+                          <a:schemeClr val="bg1">
+                            <a:lumMod val="75000"/>
+                          </a:schemeClr>
+                        </a:solidFill>
+                        <a:latin typeface="Times New Roman" panose="02020603050405020304" pitchFamily="18" charset="0"/>
+                        <a:cs typeface="Times New Roman" panose="02020603050405020304" pitchFamily="18" charset="0"/>
+                      </a:endParaRPr>
+                    </a:p>
+                  </a:txBody>
+                  <a:tcPr marL="0" marR="0" marT="0" marB="0" anchor="ctr">
+                    <a:lnL w="12700" cap="flat" cmpd="sng" algn="ctr">
+                      <a:noFill/>
+                      <a:prstDash val="solid"/>
+                      <a:round/>
+                      <a:headEnd type="none" w="med" len="med"/>
+                      <a:tailEnd type="none" w="med" len="med"/>
+                    </a:lnL>
+                    <a:lnR w="12700" cap="flat" cmpd="sng" algn="ctr">
+                      <a:noFill/>
+                      <a:prstDash val="solid"/>
+                      <a:round/>
+                      <a:headEnd type="none" w="med" len="med"/>
+                      <a:tailEnd type="none" w="med" len="med"/>
+                    </a:lnR>
+                    <a:lnT w="12700" cap="flat" cmpd="sng" algn="ctr">
+                      <a:solidFill>
+                        <a:schemeClr val="tx1"/>
+                      </a:solidFill>
+                      <a:prstDash val="solid"/>
+                      <a:round/>
+                      <a:headEnd type="none" w="med" len="med"/>
+                      <a:tailEnd type="none" w="med" len="med"/>
+                    </a:lnT>
+                    <a:lnB w="28575" cap="flat" cmpd="sng" algn="ctr">
+                      <a:noFill/>
+                      <a:prstDash val="solid"/>
+                      <a:round/>
+                      <a:headEnd type="none" w="med" len="med"/>
+                      <a:tailEnd type="none" w="med" len="med"/>
+                    </a:lnB>
+                    <a:lnTlToBr w="12700" cmpd="sng">
+                      <a:noFill/>
+                      <a:prstDash val="solid"/>
+                    </a:lnTlToBr>
+                    <a:lnBlToTr w="12700" cmpd="sng">
+                      <a:noFill/>
+                      <a:prstDash val="solid"/>
+                    </a:lnBlToTr>
+                    <a:noFill/>
+                  </a:tcPr>
+                </a:tc>
+                <a:tc>
+                  <a:txBody>
+                    <a:bodyPr/>
+                    <a:lstStyle/>
+                    <a:p>
+                      <a:pPr algn="ctr"/>
+                      <a:endParaRPr lang="en-US" sz="800" b="0" dirty="0">
+                        <a:solidFill>
+                          <a:srgbClr val="591D91"/>
+                        </a:solidFill>
+                        <a:latin typeface="Times New Roman" panose="02020603050405020304" pitchFamily="18" charset="0"/>
+                        <a:cs typeface="Times New Roman" panose="02020603050405020304" pitchFamily="18" charset="0"/>
+                      </a:endParaRPr>
+                    </a:p>
+                  </a:txBody>
+                  <a:tcPr marL="0" marR="0" marT="0" marB="0" anchor="ctr">
+                    <a:lnL w="12700" cap="flat" cmpd="sng" algn="ctr">
+                      <a:noFill/>
+                      <a:prstDash val="solid"/>
+                      <a:round/>
+                      <a:headEnd type="none" w="med" len="med"/>
+                      <a:tailEnd type="none" w="med" len="med"/>
+                    </a:lnL>
+                    <a:lnR w="12700" cap="flat" cmpd="sng" algn="ctr">
+                      <a:noFill/>
+                      <a:prstDash val="solid"/>
+                      <a:round/>
+                      <a:headEnd type="none" w="med" len="med"/>
+                      <a:tailEnd type="none" w="med" len="med"/>
+                    </a:lnR>
+                    <a:lnT w="12700" cap="flat" cmpd="sng" algn="ctr">
+                      <a:solidFill>
+                        <a:schemeClr val="tx1"/>
+                      </a:solidFill>
+                      <a:prstDash val="solid"/>
+                      <a:round/>
+                      <a:headEnd type="none" w="med" len="med"/>
+                      <a:tailEnd type="none" w="med" len="med"/>
+                    </a:lnT>
+                    <a:lnB w="28575" cap="flat" cmpd="sng" algn="ctr">
+                      <a:noFill/>
+                      <a:prstDash val="solid"/>
+                      <a:round/>
+                      <a:headEnd type="none" w="med" len="med"/>
+                      <a:tailEnd type="none" w="med" len="med"/>
+                    </a:lnB>
+                    <a:lnTlToBr w="12700" cmpd="sng">
+                      <a:noFill/>
+                      <a:prstDash val="solid"/>
+                    </a:lnTlToBr>
+                    <a:lnBlToTr w="12700" cmpd="sng">
+                      <a:noFill/>
+                      <a:prstDash val="solid"/>
+                    </a:lnBlToTr>
+                    <a:noFill/>
+                  </a:tcPr>
+                </a:tc>
+                <a:tc>
+                  <a:txBody>
+                    <a:bodyPr/>
+                    <a:lstStyle/>
+                    <a:p>
+                      <a:pPr algn="ctr"/>
+                      <a:endParaRPr lang="en-US" sz="800" b="0" dirty="0">
+                        <a:solidFill>
+                          <a:schemeClr val="bg1">
+                            <a:lumMod val="75000"/>
+                          </a:schemeClr>
+                        </a:solidFill>
+                        <a:latin typeface="Times New Roman" panose="02020603050405020304" pitchFamily="18" charset="0"/>
+                        <a:cs typeface="Times New Roman" panose="02020603050405020304" pitchFamily="18" charset="0"/>
+                      </a:endParaRPr>
+                    </a:p>
+                  </a:txBody>
+                  <a:tcPr marL="0" marR="0" marT="0" marB="0" anchor="ctr">
+                    <a:lnL w="12700" cap="flat" cmpd="sng" algn="ctr">
+                      <a:noFill/>
+                      <a:prstDash val="solid"/>
+                      <a:round/>
+                      <a:headEnd type="none" w="med" len="med"/>
+                      <a:tailEnd type="none" w="med" len="med"/>
+                    </a:lnL>
+                    <a:lnR w="12700" cap="flat" cmpd="sng" algn="ctr">
+                      <a:noFill/>
+                      <a:prstDash val="solid"/>
+                      <a:round/>
+                      <a:headEnd type="none" w="med" len="med"/>
+                      <a:tailEnd type="none" w="med" len="med"/>
+                    </a:lnR>
+                    <a:lnT w="12700" cap="flat" cmpd="sng" algn="ctr">
+                      <a:solidFill>
+                        <a:schemeClr val="tx1"/>
+                      </a:solidFill>
+                      <a:prstDash val="solid"/>
+                      <a:round/>
+                      <a:headEnd type="none" w="med" len="med"/>
+                      <a:tailEnd type="none" w="med" len="med"/>
+                    </a:lnT>
+                    <a:lnB w="28575" cap="flat" cmpd="sng" algn="ctr">
+                      <a:noFill/>
+                      <a:prstDash val="solid"/>
+                      <a:round/>
+                      <a:headEnd type="none" w="med" len="med"/>
+                      <a:tailEnd type="none" w="med" len="med"/>
+                    </a:lnB>
+                    <a:lnTlToBr w="12700" cmpd="sng">
+                      <a:noFill/>
+                      <a:prstDash val="solid"/>
+                    </a:lnTlToBr>
+                    <a:lnBlToTr w="12700" cmpd="sng">
+                      <a:noFill/>
+                      <a:prstDash val="solid"/>
+                    </a:lnBlToTr>
+                    <a:noFill/>
+                  </a:tcPr>
+                </a:tc>
+                <a:extLst>
+                  <a:ext uri="{0D108BD9-81ED-4DB2-BD59-A6C34878D82A}">
+                    <a16:rowId xmlns:a16="http://schemas.microsoft.com/office/drawing/2014/main" val="2498804086"/>
                   </a:ext>
                 </a:extLst>
               </a:tr>
@@ -5598,9 +6367,7 @@
                       <a:tailEnd type="none" w="med" len="med"/>
                     </a:lnR>
                     <a:lnT w="28575" cap="flat" cmpd="sng" algn="ctr">
-                      <a:solidFill>
-                        <a:srgbClr val="591D91"/>
-                      </a:solidFill>
+                      <a:noFill/>
                       <a:prstDash val="solid"/>
                       <a:round/>
                       <a:headEnd type="none" w="med" len="med"/>
@@ -5662,9 +6429,7 @@
                       <a:tailEnd type="none" w="med" len="med"/>
                     </a:lnR>
                     <a:lnT w="28575" cap="flat" cmpd="sng" algn="ctr">
-                      <a:solidFill>
-                        <a:srgbClr val="591D91"/>
-                      </a:solidFill>
+                      <a:noFill/>
                       <a:prstDash val="solid"/>
                       <a:round/>
                       <a:headEnd type="none" w="med" len="med"/>
@@ -5724,9 +6489,7 @@
                       <a:tailEnd type="none" w="med" len="med"/>
                     </a:lnR>
                     <a:lnT w="28575" cap="flat" cmpd="sng" algn="ctr">
-                      <a:solidFill>
-                        <a:srgbClr val="591D91"/>
-                      </a:solidFill>
+                      <a:noFill/>
                       <a:prstDash val="solid"/>
                       <a:round/>
                       <a:headEnd type="none" w="med" len="med"/>
@@ -5788,9 +6551,7 @@
                       <a:tailEnd type="none" w="med" len="med"/>
                     </a:lnR>
                     <a:lnT w="28575" cap="flat" cmpd="sng" algn="ctr">
-                      <a:solidFill>
-                        <a:srgbClr val="591D91"/>
-                      </a:solidFill>
+                      <a:noFill/>
                       <a:prstDash val="solid"/>
                       <a:round/>
                       <a:headEnd type="none" w="med" len="med"/>
@@ -6632,7 +7393,7 @@
                       <a:headEnd type="none" w="med" len="med"/>
                       <a:tailEnd type="none" w="med" len="med"/>
                     </a:lnT>
-                    <a:lnB w="12700" cap="flat" cmpd="sng" algn="ctr">
+                    <a:lnB w="28575" cap="flat" cmpd="sng" algn="ctr">
                       <a:noFill/>
                       <a:prstDash val="solid"/>
                       <a:round/>
@@ -6694,7 +7455,7 @@
                       <a:headEnd type="none" w="med" len="med"/>
                       <a:tailEnd type="none" w="med" len="med"/>
                     </a:lnT>
-                    <a:lnB w="12700" cap="flat" cmpd="sng" algn="ctr">
+                    <a:lnB w="28575" cap="flat" cmpd="sng" algn="ctr">
                       <a:noFill/>
                       <a:prstDash val="solid"/>
                       <a:round/>
@@ -6754,7 +7515,7 @@
                       <a:headEnd type="none" w="med" len="med"/>
                       <a:tailEnd type="none" w="med" len="med"/>
                     </a:lnT>
-                    <a:lnB w="12700" cap="flat" cmpd="sng" algn="ctr">
+                    <a:lnB w="28575" cap="flat" cmpd="sng" algn="ctr">
                       <a:noFill/>
                       <a:prstDash val="solid"/>
                       <a:round/>
@@ -6816,7 +7577,7 @@
                       <a:headEnd type="none" w="med" len="med"/>
                       <a:tailEnd type="none" w="med" len="med"/>
                     </a:lnT>
-                    <a:lnB w="12700" cap="flat" cmpd="sng" algn="ctr">
+                    <a:lnB w="28575" cap="flat" cmpd="sng" algn="ctr">
                       <a:noFill/>
                       <a:prstDash val="solid"/>
                       <a:round/>
@@ -6839,6 +7600,247 @@
                 <a:extLst>
                   <a:ext uri="{0D108BD9-81ED-4DB2-BD59-A6C34878D82A}">
                     <a16:rowId xmlns:a16="http://schemas.microsoft.com/office/drawing/2014/main" val="213035730"/>
+                  </a:ext>
+                </a:extLst>
+              </a:tr>
+              <a:tr h="62609">
+                <a:tc>
+                  <a:txBody>
+                    <a:bodyPr/>
+                    <a:lstStyle/>
+                    <a:p>
+                      <a:pPr algn="ctr"/>
+                      <a:endParaRPr lang="en-US" sz="800" b="0" dirty="0">
+                        <a:solidFill>
+                          <a:schemeClr val="bg1">
+                            <a:lumMod val="75000"/>
+                          </a:schemeClr>
+                        </a:solidFill>
+                        <a:latin typeface="Times New Roman" panose="02020603050405020304" pitchFamily="18" charset="0"/>
+                        <a:cs typeface="Times New Roman" panose="02020603050405020304" pitchFamily="18" charset="0"/>
+                      </a:endParaRPr>
+                    </a:p>
+                  </a:txBody>
+                  <a:tcPr marL="0" marR="0" marT="0" marB="0" anchor="ctr">
+                    <a:lnL w="12700" cap="flat" cmpd="sng" algn="ctr">
+                      <a:noFill/>
+                      <a:prstDash val="solid"/>
+                      <a:round/>
+                      <a:headEnd type="none" w="med" len="med"/>
+                      <a:tailEnd type="none" w="med" len="med"/>
+                    </a:lnL>
+                    <a:lnR w="12700" cap="flat" cmpd="sng" algn="ctr">
+                      <a:noFill/>
+                      <a:prstDash val="solid"/>
+                      <a:round/>
+                      <a:headEnd type="none" w="med" len="med"/>
+                      <a:tailEnd type="none" w="med" len="med"/>
+                    </a:lnR>
+                    <a:lnT w="12700" cap="flat" cmpd="sng" algn="ctr">
+                      <a:noFill/>
+                      <a:prstDash val="solid"/>
+                      <a:round/>
+                      <a:headEnd type="none" w="med" len="med"/>
+                      <a:tailEnd type="none" w="med" len="med"/>
+                    </a:lnT>
+                    <a:lnB w="28575" cap="flat" cmpd="sng" algn="ctr">
+                      <a:solidFill>
+                        <a:schemeClr val="tx1"/>
+                      </a:solidFill>
+                      <a:prstDash val="solid"/>
+                      <a:round/>
+                      <a:headEnd type="none" w="med" len="med"/>
+                      <a:tailEnd type="none" w="med" len="med"/>
+                    </a:lnB>
+                    <a:lnTlToBr w="12700" cmpd="sng">
+                      <a:noFill/>
+                      <a:prstDash val="solid"/>
+                    </a:lnTlToBr>
+                    <a:lnBlToTr w="12700" cmpd="sng">
+                      <a:noFill/>
+                      <a:prstDash val="solid"/>
+                    </a:lnBlToTr>
+                    <a:noFill/>
+                  </a:tcPr>
+                </a:tc>
+                <a:tc>
+                  <a:txBody>
+                    <a:bodyPr/>
+                    <a:lstStyle/>
+                    <a:p>
+                      <a:pPr algn="ctr"/>
+                      <a:endParaRPr lang="en-US" sz="800" b="0" dirty="0">
+                        <a:solidFill>
+                          <a:schemeClr val="bg1">
+                            <a:lumMod val="75000"/>
+                          </a:schemeClr>
+                        </a:solidFill>
+                        <a:latin typeface="Times New Roman" panose="02020603050405020304" pitchFamily="18" charset="0"/>
+                        <a:cs typeface="Times New Roman" panose="02020603050405020304" pitchFamily="18" charset="0"/>
+                      </a:endParaRPr>
+                    </a:p>
+                  </a:txBody>
+                  <a:tcPr marL="0" marR="0" marT="0" marB="0" anchor="ctr">
+                    <a:lnL w="12700" cap="flat" cmpd="sng" algn="ctr">
+                      <a:noFill/>
+                      <a:prstDash val="solid"/>
+                      <a:round/>
+                      <a:headEnd type="none" w="med" len="med"/>
+                      <a:tailEnd type="none" w="med" len="med"/>
+                    </a:lnL>
+                    <a:lnR w="12700" cap="flat" cmpd="sng" algn="ctr">
+                      <a:noFill/>
+                      <a:prstDash val="solid"/>
+                      <a:round/>
+                      <a:headEnd type="none" w="med" len="med"/>
+                      <a:tailEnd type="none" w="med" len="med"/>
+                    </a:lnR>
+                    <a:lnT w="12700" cap="flat" cmpd="sng" algn="ctr">
+                      <a:noFill/>
+                      <a:prstDash val="solid"/>
+                      <a:round/>
+                      <a:headEnd type="none" w="med" len="med"/>
+                      <a:tailEnd type="none" w="med" len="med"/>
+                    </a:lnT>
+                    <a:lnB w="28575" cap="flat" cmpd="sng" algn="ctr">
+                      <a:solidFill>
+                        <a:schemeClr val="tx1"/>
+                      </a:solidFill>
+                      <a:prstDash val="solid"/>
+                      <a:round/>
+                      <a:headEnd type="none" w="med" len="med"/>
+                      <a:tailEnd type="none" w="med" len="med"/>
+                    </a:lnB>
+                    <a:lnTlToBr w="12700" cmpd="sng">
+                      <a:noFill/>
+                      <a:prstDash val="solid"/>
+                    </a:lnTlToBr>
+                    <a:lnBlToTr w="12700" cmpd="sng">
+                      <a:noFill/>
+                      <a:prstDash val="solid"/>
+                    </a:lnBlToTr>
+                    <a:noFill/>
+                  </a:tcPr>
+                </a:tc>
+                <a:tc>
+                  <a:txBody>
+                    <a:bodyPr/>
+                    <a:lstStyle/>
+                    <a:p>
+                      <a:pPr algn="ctr"/>
+                      <a:endParaRPr lang="en-US" sz="800" b="0" dirty="0">
+                        <a:solidFill>
+                          <a:srgbClr val="5B9C20"/>
+                        </a:solidFill>
+                        <a:latin typeface="Times New Roman" panose="02020603050405020304" pitchFamily="18" charset="0"/>
+                        <a:cs typeface="Times New Roman" panose="02020603050405020304" pitchFamily="18" charset="0"/>
+                      </a:endParaRPr>
+                    </a:p>
+                  </a:txBody>
+                  <a:tcPr marL="0" marR="0" marT="0" marB="0" anchor="ctr">
+                    <a:lnL w="12700" cap="flat" cmpd="sng" algn="ctr">
+                      <a:noFill/>
+                      <a:prstDash val="solid"/>
+                      <a:round/>
+                      <a:headEnd type="none" w="med" len="med"/>
+                      <a:tailEnd type="none" w="med" len="med"/>
+                    </a:lnL>
+                    <a:lnR w="12700" cap="flat" cmpd="sng" algn="ctr">
+                      <a:noFill/>
+                      <a:prstDash val="solid"/>
+                      <a:round/>
+                      <a:headEnd type="none" w="med" len="med"/>
+                      <a:tailEnd type="none" w="med" len="med"/>
+                    </a:lnR>
+                    <a:lnT w="12700" cap="flat" cmpd="sng" algn="ctr">
+                      <a:noFill/>
+                      <a:prstDash val="solid"/>
+                      <a:round/>
+                      <a:headEnd type="none" w="med" len="med"/>
+                      <a:tailEnd type="none" w="med" len="med"/>
+                    </a:lnT>
+                    <a:lnB w="28575" cap="flat" cmpd="sng" algn="ctr">
+                      <a:solidFill>
+                        <a:schemeClr val="tx1"/>
+                      </a:solidFill>
+                      <a:prstDash val="solid"/>
+                      <a:round/>
+                      <a:headEnd type="none" w="med" len="med"/>
+                      <a:tailEnd type="none" w="med" len="med"/>
+                    </a:lnB>
+                    <a:lnTlToBr w="12700" cmpd="sng">
+                      <a:noFill/>
+                      <a:prstDash val="solid"/>
+                    </a:lnTlToBr>
+                    <a:lnBlToTr w="12700" cmpd="sng">
+                      <a:noFill/>
+                      <a:prstDash val="solid"/>
+                    </a:lnBlToTr>
+                    <a:noFill/>
+                  </a:tcPr>
+                </a:tc>
+                <a:tc>
+                  <a:txBody>
+                    <a:bodyPr/>
+                    <a:lstStyle/>
+                    <a:p>
+                      <a:pPr algn="ctr"/>
+                      <a:endParaRPr lang="en-US" sz="800" b="0" dirty="0">
+                        <a:solidFill>
+                          <a:schemeClr val="bg1">
+                            <a:lumMod val="75000"/>
+                          </a:schemeClr>
+                        </a:solidFill>
+                        <a:latin typeface="Times New Roman" panose="02020603050405020304" pitchFamily="18" charset="0"/>
+                        <a:cs typeface="Times New Roman" panose="02020603050405020304" pitchFamily="18" charset="0"/>
+                      </a:endParaRPr>
+                    </a:p>
+                  </a:txBody>
+                  <a:tcPr marL="0" marR="0" marT="0" marB="0" anchor="ctr">
+                    <a:lnL w="12700" cap="flat" cmpd="sng" algn="ctr">
+                      <a:noFill/>
+                      <a:prstDash val="solid"/>
+                      <a:round/>
+                      <a:headEnd type="none" w="med" len="med"/>
+                      <a:tailEnd type="none" w="med" len="med"/>
+                    </a:lnL>
+                    <a:lnR w="12700" cap="flat" cmpd="sng" algn="ctr">
+                      <a:noFill/>
+                      <a:prstDash val="solid"/>
+                      <a:round/>
+                      <a:headEnd type="none" w="med" len="med"/>
+                      <a:tailEnd type="none" w="med" len="med"/>
+                    </a:lnR>
+                    <a:lnT w="12700" cap="flat" cmpd="sng" algn="ctr">
+                      <a:noFill/>
+                      <a:prstDash val="solid"/>
+                      <a:round/>
+                      <a:headEnd type="none" w="med" len="med"/>
+                      <a:tailEnd type="none" w="med" len="med"/>
+                    </a:lnT>
+                    <a:lnB w="28575" cap="flat" cmpd="sng" algn="ctr">
+                      <a:solidFill>
+                        <a:schemeClr val="tx1"/>
+                      </a:solidFill>
+                      <a:prstDash val="solid"/>
+                      <a:round/>
+                      <a:headEnd type="none" w="med" len="med"/>
+                      <a:tailEnd type="none" w="med" len="med"/>
+                    </a:lnB>
+                    <a:lnTlToBr w="12700" cmpd="sng">
+                      <a:noFill/>
+                      <a:prstDash val="solid"/>
+                    </a:lnTlToBr>
+                    <a:lnBlToTr w="12700" cmpd="sng">
+                      <a:noFill/>
+                      <a:prstDash val="solid"/>
+                    </a:lnBlToTr>
+                    <a:noFill/>
+                  </a:tcPr>
+                </a:tc>
+                <a:extLst>
+                  <a:ext uri="{0D108BD9-81ED-4DB2-BD59-A6C34878D82A}">
+                    <a16:rowId xmlns:a16="http://schemas.microsoft.com/office/drawing/2014/main" val="1282011960"/>
                   </a:ext>
                 </a:extLst>
               </a:tr>
@@ -6860,7 +7862,7 @@
         </p:nvGrpSpPr>
         <p:grpSpPr>
           <a:xfrm>
-            <a:off x="7803903" y="3896854"/>
+            <a:off x="7636237" y="4157319"/>
             <a:ext cx="2936859" cy="1377144"/>
             <a:chOff x="7803903" y="3896854"/>
             <a:chExt cx="2936859" cy="1377144"/>

--- a/Vega Presentation Slides.pptx
+++ b/Vega Presentation Slides.pptx
@@ -12,7 +12,7 @@
     <p:sldId id="256" r:id="rId3"/>
     <p:sldId id="262" r:id="rId4"/>
     <p:sldId id="263" r:id="rId5"/>
-    <p:sldId id="264" r:id="rId6"/>
+    <p:sldId id="265" r:id="rId6"/>
     <p:sldId id="257" r:id="rId7"/>
     <p:sldId id="259" r:id="rId8"/>
   </p:sldIdLst>
@@ -3475,7 +3475,7 @@
           <p:nvPr>
             <p:extLst>
               <p:ext uri="{D42A27DB-BD31-4B8C-83A1-F6EECF244321}">
-                <p14:modId xmlns:p14="http://schemas.microsoft.com/office/powerpoint/2010/main" val="2256712593"/>
+                <p14:modId xmlns:p14="http://schemas.microsoft.com/office/powerpoint/2010/main" val="606115314"/>
               </p:ext>
             </p:extLst>
           </p:nvPr>
@@ -3626,7 +3626,7 @@
                           <a:latin typeface="Times New Roman" panose="02020603050405020304" pitchFamily="18" charset="0"/>
                           <a:cs typeface="Times New Roman" panose="02020603050405020304" pitchFamily="18" charset="0"/>
                         </a:rPr>
-                        <a:t>Density.2</a:t>
+                        <a:t>Density.1</a:t>
                       </a:r>
                     </a:p>
                   </a:txBody>
@@ -3688,7 +3688,7 @@
                           <a:latin typeface="Times New Roman" panose="02020603050405020304" pitchFamily="18" charset="0"/>
                           <a:cs typeface="Times New Roman" panose="02020603050405020304" pitchFamily="18" charset="0"/>
                         </a:rPr>
-                        <a:t>Density.1</a:t>
+                        <a:t>Density.0</a:t>
                       </a:r>
                     </a:p>
                   </a:txBody>
@@ -3766,7 +3766,7 @@
                           <a:latin typeface="Times New Roman" panose="02020603050405020304" pitchFamily="18" charset="0"/>
                           <a:cs typeface="Times New Roman" panose="02020603050405020304" pitchFamily="18" charset="0"/>
                         </a:rPr>
-                        <a:t>Density.3</a:t>
+                        <a:t>Density.2</a:t>
                       </a:r>
                     </a:p>
                   </a:txBody>
@@ -4142,7 +4142,7 @@
                           <a:latin typeface="Times New Roman" panose="02020603050405020304" pitchFamily="18" charset="0"/>
                           <a:cs typeface="Times New Roman" panose="02020603050405020304" pitchFamily="18" charset="0"/>
                         </a:rPr>
-                        <a:t>1.3588403</a:t>
+                        <a:t>…</a:t>
                       </a:r>
                     </a:p>
                   </a:txBody>
@@ -4169,9 +4169,7 @@
                       <a:tailEnd type="none" w="med" len="med"/>
                     </a:lnT>
                     <a:lnB w="12700" cap="flat" cmpd="sng" algn="ctr">
-                      <a:solidFill>
-                        <a:srgbClr val="591D91"/>
-                      </a:solidFill>
+                      <a:noFill/>
                       <a:prstDash val="solid"/>
                       <a:round/>
                       <a:headEnd type="none" w="med" len="med"/>
@@ -4206,7 +4204,7 @@
                           <a:latin typeface="Times New Roman" panose="02020603050405020304" pitchFamily="18" charset="0"/>
                           <a:cs typeface="Times New Roman" panose="02020603050405020304" pitchFamily="18" charset="0"/>
                         </a:rPr>
-                        <a:t>…</a:t>
+                        <a:t>1.1023268</a:t>
                       </a:r>
                     </a:p>
                   </a:txBody>
@@ -4268,7 +4266,7 @@
                           <a:latin typeface="Times New Roman" panose="02020603050405020304" pitchFamily="18" charset="0"/>
                           <a:cs typeface="Times New Roman" panose="02020603050405020304" pitchFamily="18" charset="0"/>
                         </a:rPr>
-                        <a:t>…</a:t>
+                        <a:t>1.3588403</a:t>
                       </a:r>
                     </a:p>
                   </a:txBody>
@@ -4295,7 +4293,9 @@
                       <a:tailEnd type="none" w="med" len="med"/>
                     </a:lnT>
                     <a:lnB w="12700" cap="flat" cmpd="sng" algn="ctr">
-                      <a:noFill/>
+                      <a:solidFill>
+                        <a:srgbClr val="591D91"/>
+                      </a:solidFill>
                       <a:prstDash val="solid"/>
                       <a:round/>
                       <a:headEnd type="none" w="med" len="med"/>
@@ -4350,6 +4350,126 @@
                       <a:tailEnd type="none" w="med" len="med"/>
                     </a:lnL>
                     <a:lnR w="12700" cap="flat" cmpd="sng" algn="ctr">
+                      <a:noFill/>
+                      <a:prstDash val="solid"/>
+                      <a:round/>
+                      <a:headEnd type="none" w="med" len="med"/>
+                      <a:tailEnd type="none" w="med" len="med"/>
+                    </a:lnR>
+                    <a:lnT w="12700" cap="flat" cmpd="sng" algn="ctr">
+                      <a:noFill/>
+                      <a:prstDash val="solid"/>
+                      <a:round/>
+                      <a:headEnd type="none" w="med" len="med"/>
+                      <a:tailEnd type="none" w="med" len="med"/>
+                    </a:lnT>
+                    <a:lnB w="12700" cap="flat" cmpd="sng" algn="ctr">
+                      <a:noFill/>
+                      <a:prstDash val="solid"/>
+                      <a:round/>
+                      <a:headEnd type="none" w="med" len="med"/>
+                      <a:tailEnd type="none" w="med" len="med"/>
+                    </a:lnB>
+                    <a:lnTlToBr w="12700" cmpd="sng">
+                      <a:noFill/>
+                      <a:prstDash val="solid"/>
+                    </a:lnTlToBr>
+                    <a:lnBlToTr w="12700" cmpd="sng">
+                      <a:noFill/>
+                      <a:prstDash val="solid"/>
+                    </a:lnBlToTr>
+                    <a:noFill/>
+                  </a:tcPr>
+                </a:tc>
+                <a:tc>
+                  <a:txBody>
+                    <a:bodyPr/>
+                    <a:lstStyle/>
+                    <a:p>
+                      <a:pPr algn="ctr"/>
+                      <a:r>
+                        <a:rPr lang="en-US" sz="1700" b="0" dirty="0">
+                          <a:solidFill>
+                            <a:schemeClr val="bg1">
+                              <a:lumMod val="75000"/>
+                            </a:schemeClr>
+                          </a:solidFill>
+                          <a:latin typeface="Times New Roman" panose="02020603050405020304" pitchFamily="18" charset="0"/>
+                          <a:cs typeface="Times New Roman" panose="02020603050405020304" pitchFamily="18" charset="0"/>
+                        </a:rPr>
+                        <a:t>1.1023268</a:t>
+                      </a:r>
+                    </a:p>
+                  </a:txBody>
+                  <a:tcPr marL="0" marR="0" marT="0" marB="0" anchor="ctr">
+                    <a:lnL w="12700" cap="flat" cmpd="sng" algn="ctr">
+                      <a:noFill/>
+                      <a:prstDash val="solid"/>
+                      <a:round/>
+                      <a:headEnd type="none" w="med" len="med"/>
+                      <a:tailEnd type="none" w="med" len="med"/>
+                    </a:lnL>
+                    <a:lnR w="12700" cap="flat" cmpd="sng" algn="ctr">
+                      <a:noFill/>
+                      <a:prstDash val="solid"/>
+                      <a:round/>
+                      <a:headEnd type="none" w="med" len="med"/>
+                      <a:tailEnd type="none" w="med" len="med"/>
+                    </a:lnR>
+                    <a:lnT w="12700" cap="flat" cmpd="sng" algn="ctr">
+                      <a:noFill/>
+                      <a:prstDash val="solid"/>
+                      <a:round/>
+                      <a:headEnd type="none" w="med" len="med"/>
+                      <a:tailEnd type="none" w="med" len="med"/>
+                    </a:lnT>
+                    <a:lnB w="12700" cap="flat" cmpd="sng" algn="ctr">
+                      <a:noFill/>
+                      <a:prstDash val="solid"/>
+                      <a:round/>
+                      <a:headEnd type="none" w="med" len="med"/>
+                      <a:tailEnd type="none" w="med" len="med"/>
+                    </a:lnB>
+                    <a:lnTlToBr w="12700" cmpd="sng">
+                      <a:noFill/>
+                      <a:prstDash val="solid"/>
+                    </a:lnTlToBr>
+                    <a:lnBlToTr w="12700" cmpd="sng">
+                      <a:noFill/>
+                      <a:prstDash val="solid"/>
+                    </a:lnBlToTr>
+                    <a:noFill/>
+                  </a:tcPr>
+                </a:tc>
+                <a:tc>
+                  <a:txBody>
+                    <a:bodyPr/>
+                    <a:lstStyle/>
+                    <a:p>
+                      <a:pPr algn="ctr"/>
+                      <a:r>
+                        <a:rPr lang="en-US" sz="1700" b="0" dirty="0">
+                          <a:solidFill>
+                            <a:schemeClr val="bg1">
+                              <a:lumMod val="75000"/>
+                            </a:schemeClr>
+                          </a:solidFill>
+                          <a:latin typeface="Times New Roman" panose="02020603050405020304" pitchFamily="18" charset="0"/>
+                          <a:cs typeface="Times New Roman" panose="02020603050405020304" pitchFamily="18" charset="0"/>
+                        </a:rPr>
+                        <a:t>1.3588403</a:t>
+                      </a:r>
+                    </a:p>
+                  </a:txBody>
+                  <a:tcPr marL="0" marR="0" marT="0" marB="0" anchor="ctr">
+                    <a:lnL w="12700" cap="flat" cmpd="sng" algn="ctr">
+                      <a:noFill/>
+                      <a:prstDash val="solid"/>
+                      <a:round/>
+                      <a:headEnd type="none" w="med" len="med"/>
+                      <a:tailEnd type="none" w="med" len="med"/>
+                    </a:lnL>
+                    <a:lnR w="12700" cap="flat" cmpd="sng" algn="ctr">
                       <a:solidFill>
                         <a:srgbClr val="591D91"/>
                       </a:solidFill>
@@ -4366,7 +4486,9 @@
                       <a:tailEnd type="none" w="med" len="med"/>
                     </a:lnT>
                     <a:lnB w="12700" cap="flat" cmpd="sng" algn="ctr">
-                      <a:noFill/>
+                      <a:solidFill>
+                        <a:srgbClr val="591D91"/>
+                      </a:solidFill>
                       <a:prstDash val="solid"/>
                       <a:round/>
                       <a:headEnd type="none" w="med" len="med"/>
@@ -4465,130 +4587,6 @@
                     <a:noFill/>
                   </a:tcPr>
                 </a:tc>
-                <a:tc>
-                  <a:txBody>
-                    <a:bodyPr/>
-                    <a:lstStyle/>
-                    <a:p>
-                      <a:pPr algn="ctr"/>
-                      <a:r>
-                        <a:rPr lang="en-US" sz="1700" b="0" dirty="0">
-                          <a:solidFill>
-                            <a:schemeClr val="bg1">
-                              <a:lumMod val="75000"/>
-                            </a:schemeClr>
-                          </a:solidFill>
-                          <a:latin typeface="Times New Roman" panose="02020603050405020304" pitchFamily="18" charset="0"/>
-                          <a:cs typeface="Times New Roman" panose="02020603050405020304" pitchFamily="18" charset="0"/>
-                        </a:rPr>
-                        <a:t>1.3588403</a:t>
-                      </a:r>
-                    </a:p>
-                  </a:txBody>
-                  <a:tcPr marL="0" marR="0" marT="0" marB="0" anchor="ctr">
-                    <a:lnL w="12700" cap="flat" cmpd="sng" algn="ctr">
-                      <a:solidFill>
-                        <a:srgbClr val="591D91"/>
-                      </a:solidFill>
-                      <a:prstDash val="solid"/>
-                      <a:round/>
-                      <a:headEnd type="none" w="med" len="med"/>
-                      <a:tailEnd type="none" w="med" len="med"/>
-                    </a:lnL>
-                    <a:lnR w="12700" cap="flat" cmpd="sng" algn="ctr">
-                      <a:noFill/>
-                      <a:prstDash val="solid"/>
-                      <a:round/>
-                      <a:headEnd type="none" w="med" len="med"/>
-                      <a:tailEnd type="none" w="med" len="med"/>
-                    </a:lnR>
-                    <a:lnT w="12700" cap="flat" cmpd="sng" algn="ctr">
-                      <a:noFill/>
-                      <a:prstDash val="solid"/>
-                      <a:round/>
-                      <a:headEnd type="none" w="med" len="med"/>
-                      <a:tailEnd type="none" w="med" len="med"/>
-                    </a:lnT>
-                    <a:lnB w="12700" cap="flat" cmpd="sng" algn="ctr">
-                      <a:solidFill>
-                        <a:srgbClr val="591D91"/>
-                      </a:solidFill>
-                      <a:prstDash val="solid"/>
-                      <a:round/>
-                      <a:headEnd type="none" w="med" len="med"/>
-                      <a:tailEnd type="none" w="med" len="med"/>
-                    </a:lnB>
-                    <a:lnTlToBr w="12700" cmpd="sng">
-                      <a:noFill/>
-                      <a:prstDash val="solid"/>
-                    </a:lnTlToBr>
-                    <a:lnBlToTr w="12700" cmpd="sng">
-                      <a:noFill/>
-                      <a:prstDash val="solid"/>
-                    </a:lnBlToTr>
-                    <a:noFill/>
-                  </a:tcPr>
-                </a:tc>
-                <a:tc>
-                  <a:txBody>
-                    <a:bodyPr/>
-                    <a:lstStyle/>
-                    <a:p>
-                      <a:pPr algn="ctr"/>
-                      <a:r>
-                        <a:rPr lang="en-US" sz="1700" b="0" dirty="0">
-                          <a:solidFill>
-                            <a:schemeClr val="bg1">
-                              <a:lumMod val="75000"/>
-                            </a:schemeClr>
-                          </a:solidFill>
-                          <a:latin typeface="Times New Roman" panose="02020603050405020304" pitchFamily="18" charset="0"/>
-                          <a:cs typeface="Times New Roman" panose="02020603050405020304" pitchFamily="18" charset="0"/>
-                        </a:rPr>
-                        <a:t>…</a:t>
-                      </a:r>
-                    </a:p>
-                  </a:txBody>
-                  <a:tcPr marL="0" marR="0" marT="0" marB="0" anchor="ctr">
-                    <a:lnL w="12700" cap="flat" cmpd="sng" algn="ctr">
-                      <a:noFill/>
-                      <a:prstDash val="solid"/>
-                      <a:round/>
-                      <a:headEnd type="none" w="med" len="med"/>
-                      <a:tailEnd type="none" w="med" len="med"/>
-                    </a:lnL>
-                    <a:lnR w="12700" cap="flat" cmpd="sng" algn="ctr">
-                      <a:noFill/>
-                      <a:prstDash val="solid"/>
-                      <a:round/>
-                      <a:headEnd type="none" w="med" len="med"/>
-                      <a:tailEnd type="none" w="med" len="med"/>
-                    </a:lnR>
-                    <a:lnT w="12700" cap="flat" cmpd="sng" algn="ctr">
-                      <a:noFill/>
-                      <a:prstDash val="solid"/>
-                      <a:round/>
-                      <a:headEnd type="none" w="med" len="med"/>
-                      <a:tailEnd type="none" w="med" len="med"/>
-                    </a:lnT>
-                    <a:lnB w="12700" cap="flat" cmpd="sng" algn="ctr">
-                      <a:noFill/>
-                      <a:prstDash val="solid"/>
-                      <a:round/>
-                      <a:headEnd type="none" w="med" len="med"/>
-                      <a:tailEnd type="none" w="med" len="med"/>
-                    </a:lnB>
-                    <a:lnTlToBr w="12700" cmpd="sng">
-                      <a:noFill/>
-                      <a:prstDash val="solid"/>
-                    </a:lnTlToBr>
-                    <a:lnBlToTr w="12700" cmpd="sng">
-                      <a:noFill/>
-                      <a:prstDash val="solid"/>
-                    </a:lnBlToTr>
-                    <a:noFill/>
-                  </a:tcPr>
-                </a:tc>
                 <a:extLst>
                   <a:ext uri="{0D108BD9-81ED-4DB2-BD59-A6C34878D82A}">
                     <a16:rowId xmlns:a16="http://schemas.microsoft.com/office/drawing/2014/main" val="4273360853"/>
@@ -4661,7 +4659,23 @@
                     <a:bodyPr/>
                     <a:lstStyle/>
                     <a:p>
-                      <a:pPr algn="ctr"/>
+                      <a:pPr marL="0" marR="0" lvl="0" indent="0" algn="ctr" defTabSz="914400" rtl="0" eaLnBrk="1" fontAlgn="auto" latinLnBrk="0" hangingPunct="1">
+                        <a:lnSpc>
+                          <a:spcPct val="100000"/>
+                        </a:lnSpc>
+                        <a:spcBef>
+                          <a:spcPts val="0"/>
+                        </a:spcBef>
+                        <a:spcAft>
+                          <a:spcPts val="0"/>
+                        </a:spcAft>
+                        <a:buClrTx/>
+                        <a:buSzTx/>
+                        <a:buFontTx/>
+                        <a:buNone/>
+                        <a:tabLst/>
+                        <a:defRPr/>
+                      </a:pPr>
                       <a:r>
                         <a:rPr lang="en-US" sz="1700" b="0" dirty="0">
                           <a:solidFill>
@@ -4670,7 +4684,7 @@
                           <a:latin typeface="Times New Roman" panose="02020603050405020304" pitchFamily="18" charset="0"/>
                           <a:cs typeface="Times New Roman" panose="02020603050405020304" pitchFamily="18" charset="0"/>
                         </a:rPr>
-                        <a:t>1.5180655</a:t>
+                        <a:t>1.3588403</a:t>
                       </a:r>
                     </a:p>
                   </a:txBody>
@@ -4692,16 +4706,16 @@
                       <a:tailEnd type="none" w="med" len="med"/>
                     </a:lnR>
                     <a:lnT w="12700" cap="flat" cmpd="sng" algn="ctr">
+                      <a:noFill/>
+                      <a:prstDash val="solid"/>
+                      <a:round/>
+                      <a:headEnd type="none" w="med" len="med"/>
+                      <a:tailEnd type="none" w="med" len="med"/>
+                    </a:lnT>
+                    <a:lnB w="12700" cap="flat" cmpd="sng" algn="ctr">
                       <a:solidFill>
                         <a:srgbClr val="591D91"/>
                       </a:solidFill>
-                      <a:prstDash val="solid"/>
-                      <a:round/>
-                      <a:headEnd type="none" w="med" len="med"/>
-                      <a:tailEnd type="none" w="med" len="med"/>
-                    </a:lnT>
-                    <a:lnB w="12700" cap="flat" cmpd="sng" algn="ctr">
-                      <a:noFill/>
                       <a:prstDash val="solid"/>
                       <a:round/>
                       <a:headEnd type="none" w="med" len="med"/>
@@ -4809,23 +4823,7 @@
                     <a:bodyPr/>
                     <a:lstStyle/>
                     <a:p>
-                      <a:pPr marL="0" marR="0" lvl="0" indent="0" algn="ctr" defTabSz="914400" rtl="0" eaLnBrk="1" fontAlgn="auto" latinLnBrk="0" hangingPunct="1">
-                        <a:lnSpc>
-                          <a:spcPct val="100000"/>
-                        </a:lnSpc>
-                        <a:spcBef>
-                          <a:spcPts val="0"/>
-                        </a:spcBef>
-                        <a:spcAft>
-                          <a:spcPts val="0"/>
-                        </a:spcAft>
-                        <a:buClrTx/>
-                        <a:buSzTx/>
-                        <a:buFontTx/>
-                        <a:buNone/>
-                        <a:tabLst/>
-                        <a:defRPr/>
-                      </a:pPr>
+                      <a:pPr algn="ctr"/>
                       <a:r>
                         <a:rPr lang="en-US" sz="1700" b="0" dirty="0">
                           <a:solidFill>
@@ -4834,7 +4832,7 @@
                           <a:latin typeface="Times New Roman" panose="02020603050405020304" pitchFamily="18" charset="0"/>
                           <a:cs typeface="Times New Roman" panose="02020603050405020304" pitchFamily="18" charset="0"/>
                         </a:rPr>
-                        <a:t>1.3588403</a:t>
+                        <a:t>1.5180655</a:t>
                       </a:r>
                     </a:p>
                   </a:txBody>
@@ -4856,16 +4854,16 @@
                       <a:tailEnd type="none" w="med" len="med"/>
                     </a:lnR>
                     <a:lnT w="12700" cap="flat" cmpd="sng" algn="ctr">
-                      <a:noFill/>
-                      <a:prstDash val="solid"/>
-                      <a:round/>
-                      <a:headEnd type="none" w="med" len="med"/>
-                      <a:tailEnd type="none" w="med" len="med"/>
-                    </a:lnT>
-                    <a:lnB w="12700" cap="flat" cmpd="sng" algn="ctr">
                       <a:solidFill>
                         <a:srgbClr val="591D91"/>
                       </a:solidFill>
+                      <a:prstDash val="solid"/>
+                      <a:round/>
+                      <a:headEnd type="none" w="med" len="med"/>
+                      <a:tailEnd type="none" w="med" len="med"/>
+                    </a:lnT>
+                    <a:lnB w="12700" cap="flat" cmpd="sng" algn="ctr">
+                      <a:noFill/>
                       <a:prstDash val="solid"/>
                       <a:round/>
                       <a:headEnd type="none" w="med" len="med"/>
@@ -4920,142 +4918,6 @@
                       <a:tailEnd type="none" w="med" len="med"/>
                     </a:lnL>
                     <a:lnR w="12700" cap="flat" cmpd="sng" algn="ctr">
-                      <a:noFill/>
-                      <a:prstDash val="solid"/>
-                      <a:round/>
-                      <a:headEnd type="none" w="med" len="med"/>
-                      <a:tailEnd type="none" w="med" len="med"/>
-                    </a:lnR>
-                    <a:lnT w="12700" cap="flat" cmpd="sng" algn="ctr">
-                      <a:noFill/>
-                      <a:prstDash val="solid"/>
-                      <a:round/>
-                      <a:headEnd type="none" w="med" len="med"/>
-                      <a:tailEnd type="none" w="med" len="med"/>
-                    </a:lnT>
-                    <a:lnB w="12700" cap="flat" cmpd="sng" algn="ctr">
-                      <a:noFill/>
-                      <a:prstDash val="solid"/>
-                      <a:round/>
-                      <a:headEnd type="none" w="med" len="med"/>
-                      <a:tailEnd type="none" w="med" len="med"/>
-                    </a:lnB>
-                    <a:lnTlToBr w="12700" cmpd="sng">
-                      <a:noFill/>
-                      <a:prstDash val="solid"/>
-                    </a:lnTlToBr>
-                    <a:lnBlToTr w="12700" cmpd="sng">
-                      <a:noFill/>
-                      <a:prstDash val="solid"/>
-                    </a:lnBlToTr>
-                    <a:noFill/>
-                  </a:tcPr>
-                </a:tc>
-                <a:tc>
-                  <a:txBody>
-                    <a:bodyPr/>
-                    <a:lstStyle/>
-                    <a:p>
-                      <a:pPr algn="ctr"/>
-                      <a:r>
-                        <a:rPr lang="en-US" sz="1700" b="0" dirty="0">
-                          <a:solidFill>
-                            <a:schemeClr val="bg1">
-                              <a:lumMod val="75000"/>
-                            </a:schemeClr>
-                          </a:solidFill>
-                          <a:latin typeface="Times New Roman" panose="02020603050405020304" pitchFamily="18" charset="0"/>
-                          <a:cs typeface="Times New Roman" panose="02020603050405020304" pitchFamily="18" charset="0"/>
-                        </a:rPr>
-                        <a:t>1.5744927</a:t>
-                      </a:r>
-                    </a:p>
-                  </a:txBody>
-                  <a:tcPr marL="0" marR="0" marT="0" marB="0" anchor="ctr">
-                    <a:lnL w="12700" cap="flat" cmpd="sng" algn="ctr">
-                      <a:noFill/>
-                      <a:prstDash val="solid"/>
-                      <a:round/>
-                      <a:headEnd type="none" w="med" len="med"/>
-                      <a:tailEnd type="none" w="med" len="med"/>
-                    </a:lnL>
-                    <a:lnR w="12700" cap="flat" cmpd="sng" algn="ctr">
-                      <a:noFill/>
-                      <a:prstDash val="solid"/>
-                      <a:round/>
-                      <a:headEnd type="none" w="med" len="med"/>
-                      <a:tailEnd type="none" w="med" len="med"/>
-                    </a:lnR>
-                    <a:lnT w="12700" cap="flat" cmpd="sng" algn="ctr">
-                      <a:noFill/>
-                      <a:prstDash val="solid"/>
-                      <a:round/>
-                      <a:headEnd type="none" w="med" len="med"/>
-                      <a:tailEnd type="none" w="med" len="med"/>
-                    </a:lnT>
-                    <a:lnB w="12700" cap="flat" cmpd="sng" algn="ctr">
-                      <a:noFill/>
-                      <a:prstDash val="solid"/>
-                      <a:round/>
-                      <a:headEnd type="none" w="med" len="med"/>
-                      <a:tailEnd type="none" w="med" len="med"/>
-                    </a:lnB>
-                    <a:lnTlToBr w="12700" cmpd="sng">
-                      <a:noFill/>
-                      <a:prstDash val="solid"/>
-                    </a:lnTlToBr>
-                    <a:lnBlToTr w="12700" cmpd="sng">
-                      <a:noFill/>
-                      <a:prstDash val="solid"/>
-                    </a:lnBlToTr>
-                    <a:noFill/>
-                  </a:tcPr>
-                </a:tc>
-                <a:tc>
-                  <a:txBody>
-                    <a:bodyPr/>
-                    <a:lstStyle/>
-                    <a:p>
-                      <a:pPr marL="0" marR="0" lvl="0" indent="0" algn="ctr" defTabSz="914400" rtl="0" eaLnBrk="1" fontAlgn="auto" latinLnBrk="0" hangingPunct="1">
-                        <a:lnSpc>
-                          <a:spcPct val="100000"/>
-                        </a:lnSpc>
-                        <a:spcBef>
-                          <a:spcPts val="0"/>
-                        </a:spcBef>
-                        <a:spcAft>
-                          <a:spcPts val="0"/>
-                        </a:spcAft>
-                        <a:buClrTx/>
-                        <a:buSzTx/>
-                        <a:buFontTx/>
-                        <a:buNone/>
-                        <a:tabLst/>
-                        <a:defRPr/>
-                      </a:pPr>
-                      <a:r>
-                        <a:rPr lang="en-US" sz="1700" b="0" dirty="0">
-                          <a:solidFill>
-                            <a:schemeClr val="bg1">
-                              <a:lumMod val="75000"/>
-                            </a:schemeClr>
-                          </a:solidFill>
-                          <a:latin typeface="Times New Roman" panose="02020603050405020304" pitchFamily="18" charset="0"/>
-                          <a:cs typeface="Times New Roman" panose="02020603050405020304" pitchFamily="18" charset="0"/>
-                        </a:rPr>
-                        <a:t>1.5180655</a:t>
-                      </a:r>
-                    </a:p>
-                  </a:txBody>
-                  <a:tcPr marL="0" marR="0" marT="0" marB="0" anchor="ctr">
-                    <a:lnL w="12700" cap="flat" cmpd="sng" algn="ctr">
-                      <a:noFill/>
-                      <a:prstDash val="solid"/>
-                      <a:round/>
-                      <a:headEnd type="none" w="med" len="med"/>
-                      <a:tailEnd type="none" w="med" len="med"/>
-                    </a:lnL>
-                    <a:lnR w="12700" cap="flat" cmpd="sng" algn="ctr">
                       <a:solidFill>
                         <a:srgbClr val="591D91"/>
                       </a:solidFill>
@@ -5065,9 +4927,7 @@
                       <a:tailEnd type="none" w="med" len="med"/>
                     </a:lnR>
                     <a:lnT w="12700" cap="flat" cmpd="sng" algn="ctr">
-                      <a:solidFill>
-                        <a:srgbClr val="591D91"/>
-                      </a:solidFill>
+                      <a:noFill/>
                       <a:prstDash val="solid"/>
                       <a:round/>
                       <a:headEnd type="none" w="med" len="med"/>
@@ -5173,6 +5033,146 @@
                     <a:noFill/>
                   </a:tcPr>
                 </a:tc>
+                <a:tc>
+                  <a:txBody>
+                    <a:bodyPr/>
+                    <a:lstStyle/>
+                    <a:p>
+                      <a:pPr marL="0" marR="0" lvl="0" indent="0" algn="ctr" defTabSz="914400" rtl="0" eaLnBrk="1" fontAlgn="auto" latinLnBrk="0" hangingPunct="1">
+                        <a:lnSpc>
+                          <a:spcPct val="100000"/>
+                        </a:lnSpc>
+                        <a:spcBef>
+                          <a:spcPts val="0"/>
+                        </a:spcBef>
+                        <a:spcAft>
+                          <a:spcPts val="0"/>
+                        </a:spcAft>
+                        <a:buClrTx/>
+                        <a:buSzTx/>
+                        <a:buFontTx/>
+                        <a:buNone/>
+                        <a:tabLst/>
+                        <a:defRPr/>
+                      </a:pPr>
+                      <a:r>
+                        <a:rPr lang="en-US" sz="1700" b="0" dirty="0">
+                          <a:solidFill>
+                            <a:schemeClr val="bg1">
+                              <a:lumMod val="75000"/>
+                            </a:schemeClr>
+                          </a:solidFill>
+                          <a:latin typeface="Times New Roman" panose="02020603050405020304" pitchFamily="18" charset="0"/>
+                          <a:cs typeface="Times New Roman" panose="02020603050405020304" pitchFamily="18" charset="0"/>
+                        </a:rPr>
+                        <a:t>1.5180655</a:t>
+                      </a:r>
+                    </a:p>
+                  </a:txBody>
+                  <a:tcPr marL="0" marR="0" marT="0" marB="0" anchor="ctr">
+                    <a:lnL w="12700" cap="flat" cmpd="sng" algn="ctr">
+                      <a:solidFill>
+                        <a:srgbClr val="591D91"/>
+                      </a:solidFill>
+                      <a:prstDash val="solid"/>
+                      <a:round/>
+                      <a:headEnd type="none" w="med" len="med"/>
+                      <a:tailEnd type="none" w="med" len="med"/>
+                    </a:lnL>
+                    <a:lnR w="12700" cap="flat" cmpd="sng" algn="ctr">
+                      <a:noFill/>
+                      <a:prstDash val="solid"/>
+                      <a:round/>
+                      <a:headEnd type="none" w="med" len="med"/>
+                      <a:tailEnd type="none" w="med" len="med"/>
+                    </a:lnR>
+                    <a:lnT w="12700" cap="flat" cmpd="sng" algn="ctr">
+                      <a:solidFill>
+                        <a:srgbClr val="591D91"/>
+                      </a:solidFill>
+                      <a:prstDash val="solid"/>
+                      <a:round/>
+                      <a:headEnd type="none" w="med" len="med"/>
+                      <a:tailEnd type="none" w="med" len="med"/>
+                    </a:lnT>
+                    <a:lnB w="12700" cap="flat" cmpd="sng" algn="ctr">
+                      <a:noFill/>
+                      <a:prstDash val="solid"/>
+                      <a:round/>
+                      <a:headEnd type="none" w="med" len="med"/>
+                      <a:tailEnd type="none" w="med" len="med"/>
+                    </a:lnB>
+                    <a:lnTlToBr w="12700" cmpd="sng">
+                      <a:noFill/>
+                      <a:prstDash val="solid"/>
+                    </a:lnTlToBr>
+                    <a:lnBlToTr w="12700" cmpd="sng">
+                      <a:noFill/>
+                      <a:prstDash val="solid"/>
+                    </a:lnBlToTr>
+                    <a:noFill/>
+                  </a:tcPr>
+                </a:tc>
+                <a:tc>
+                  <a:txBody>
+                    <a:bodyPr/>
+                    <a:lstStyle/>
+                    <a:p>
+                      <a:pPr algn="ctr"/>
+                      <a:r>
+                        <a:rPr lang="en-US" sz="1700" b="0" dirty="0">
+                          <a:solidFill>
+                            <a:schemeClr val="bg1">
+                              <a:lumMod val="75000"/>
+                            </a:schemeClr>
+                          </a:solidFill>
+                          <a:latin typeface="Times New Roman" panose="02020603050405020304" pitchFamily="18" charset="0"/>
+                          <a:cs typeface="Times New Roman" panose="02020603050405020304" pitchFamily="18" charset="0"/>
+                        </a:rPr>
+                        <a:t>1.5744927</a:t>
+                      </a:r>
+                    </a:p>
+                  </a:txBody>
+                  <a:tcPr marL="0" marR="0" marT="0" marB="0" anchor="ctr">
+                    <a:lnL w="12700" cap="flat" cmpd="sng" algn="ctr">
+                      <a:noFill/>
+                      <a:prstDash val="solid"/>
+                      <a:round/>
+                      <a:headEnd type="none" w="med" len="med"/>
+                      <a:tailEnd type="none" w="med" len="med"/>
+                    </a:lnL>
+                    <a:lnR w="12700" cap="flat" cmpd="sng" algn="ctr">
+                      <a:noFill/>
+                      <a:prstDash val="solid"/>
+                      <a:round/>
+                      <a:headEnd type="none" w="med" len="med"/>
+                      <a:tailEnd type="none" w="med" len="med"/>
+                    </a:lnR>
+                    <a:lnT w="12700" cap="flat" cmpd="sng" algn="ctr">
+                      <a:noFill/>
+                      <a:prstDash val="solid"/>
+                      <a:round/>
+                      <a:headEnd type="none" w="med" len="med"/>
+                      <a:tailEnd type="none" w="med" len="med"/>
+                    </a:lnT>
+                    <a:lnB w="12700" cap="flat" cmpd="sng" algn="ctr">
+                      <a:noFill/>
+                      <a:prstDash val="solid"/>
+                      <a:round/>
+                      <a:headEnd type="none" w="med" len="med"/>
+                      <a:tailEnd type="none" w="med" len="med"/>
+                    </a:lnB>
+                    <a:lnTlToBr w="12700" cmpd="sng">
+                      <a:noFill/>
+                      <a:prstDash val="solid"/>
+                    </a:lnTlToBr>
+                    <a:lnBlToTr w="12700" cmpd="sng">
+                      <a:noFill/>
+                      <a:prstDash val="solid"/>
+                    </a:lnBlToTr>
+                    <a:noFill/>
+                  </a:tcPr>
+                </a:tc>
                 <a:extLst>
                   <a:ext uri="{0D108BD9-81ED-4DB2-BD59-A6C34878D82A}">
                     <a16:rowId xmlns:a16="http://schemas.microsoft.com/office/drawing/2014/main" val="3444286290"/>
@@ -5197,130 +5197,6 @@
                           <a:cs typeface="Times New Roman" panose="02020603050405020304" pitchFamily="18" charset="0"/>
                         </a:rPr>
                         <a:t>5</a:t>
-                      </a:r>
-                    </a:p>
-                  </a:txBody>
-                  <a:tcPr marL="0" marR="0" marT="0" marB="0" anchor="ctr">
-                    <a:lnL w="12700" cap="flat" cmpd="sng" algn="ctr">
-                      <a:noFill/>
-                      <a:prstDash val="solid"/>
-                      <a:round/>
-                      <a:headEnd type="none" w="med" len="med"/>
-                      <a:tailEnd type="none" w="med" len="med"/>
-                    </a:lnL>
-                    <a:lnR w="12700" cap="flat" cmpd="sng" algn="ctr">
-                      <a:noFill/>
-                      <a:prstDash val="solid"/>
-                      <a:round/>
-                      <a:headEnd type="none" w="med" len="med"/>
-                      <a:tailEnd type="none" w="med" len="med"/>
-                    </a:lnR>
-                    <a:lnT w="12700" cap="flat" cmpd="sng" algn="ctr">
-                      <a:noFill/>
-                      <a:prstDash val="solid"/>
-                      <a:round/>
-                      <a:headEnd type="none" w="med" len="med"/>
-                      <a:tailEnd type="none" w="med" len="med"/>
-                    </a:lnT>
-                    <a:lnB w="28575" cap="flat" cmpd="sng" algn="ctr">
-                      <a:noFill/>
-                      <a:prstDash val="solid"/>
-                      <a:round/>
-                      <a:headEnd type="none" w="med" len="med"/>
-                      <a:tailEnd type="none" w="med" len="med"/>
-                    </a:lnB>
-                    <a:lnTlToBr w="12700" cmpd="sng">
-                      <a:noFill/>
-                      <a:prstDash val="solid"/>
-                    </a:lnTlToBr>
-                    <a:lnBlToTr w="12700" cmpd="sng">
-                      <a:noFill/>
-                      <a:prstDash val="solid"/>
-                    </a:lnBlToTr>
-                    <a:solidFill>
-                      <a:srgbClr val="F7F7F7"/>
-                    </a:solidFill>
-                  </a:tcPr>
-                </a:tc>
-                <a:tc>
-                  <a:txBody>
-                    <a:bodyPr/>
-                    <a:lstStyle/>
-                    <a:p>
-                      <a:pPr algn="ctr"/>
-                      <a:r>
-                        <a:rPr lang="en-US" sz="1700" b="0" dirty="0">
-                          <a:solidFill>
-                            <a:schemeClr val="bg1">
-                              <a:lumMod val="75000"/>
-                            </a:schemeClr>
-                          </a:solidFill>
-                          <a:latin typeface="Times New Roman" panose="02020603050405020304" pitchFamily="18" charset="0"/>
-                          <a:cs typeface="Times New Roman" panose="02020603050405020304" pitchFamily="18" charset="0"/>
-                        </a:rPr>
-                        <a:t>1.1567937</a:t>
-                      </a:r>
-                    </a:p>
-                  </a:txBody>
-                  <a:tcPr marL="0" marR="0" marT="0" marB="0" anchor="ctr">
-                    <a:lnL w="12700" cap="flat" cmpd="sng" algn="ctr">
-                      <a:noFill/>
-                      <a:prstDash val="solid"/>
-                      <a:round/>
-                      <a:headEnd type="none" w="med" len="med"/>
-                      <a:tailEnd type="none" w="med" len="med"/>
-                    </a:lnL>
-                    <a:lnR w="12700" cap="flat" cmpd="sng" algn="ctr">
-                      <a:noFill/>
-                      <a:prstDash val="solid"/>
-                      <a:round/>
-                      <a:headEnd type="none" w="med" len="med"/>
-                      <a:tailEnd type="none" w="med" len="med"/>
-                    </a:lnR>
-                    <a:lnT w="12700" cap="flat" cmpd="sng" algn="ctr">
-                      <a:noFill/>
-                      <a:prstDash val="solid"/>
-                      <a:round/>
-                      <a:headEnd type="none" w="med" len="med"/>
-                      <a:tailEnd type="none" w="med" len="med"/>
-                    </a:lnT>
-                    <a:lnB w="28575" cap="flat" cmpd="sng" algn="ctr">
-                      <a:noFill/>
-                      <a:prstDash val="solid"/>
-                      <a:round/>
-                      <a:headEnd type="none" w="med" len="med"/>
-                      <a:tailEnd type="none" w="med" len="med"/>
-                    </a:lnB>
-                    <a:lnTlToBr w="12700" cmpd="sng">
-                      <a:noFill/>
-                      <a:prstDash val="solid"/>
-                    </a:lnTlToBr>
-                    <a:lnBlToTr w="12700" cmpd="sng">
-                      <a:noFill/>
-                      <a:prstDash val="solid"/>
-                    </a:lnBlToTr>
-                    <a:solidFill>
-                      <a:srgbClr val="F7F7F7"/>
-                    </a:solidFill>
-                  </a:tcPr>
-                </a:tc>
-                <a:tc>
-                  <a:txBody>
-                    <a:bodyPr/>
-                    <a:lstStyle/>
-                    <a:p>
-                      <a:pPr algn="ctr"/>
-                      <a:r>
-                        <a:rPr lang="en-US" sz="1700" b="0" dirty="0">
-                          <a:solidFill>
-                            <a:schemeClr val="bg1">
-                              <a:lumMod val="75000"/>
-                            </a:schemeClr>
-                          </a:solidFill>
-                          <a:latin typeface="Times New Roman" panose="02020603050405020304" pitchFamily="18" charset="0"/>
-                          <a:cs typeface="Times New Roman" panose="02020603050405020304" pitchFamily="18" charset="0"/>
-                        </a:rPr>
-                        <a:t>1.5744927</a:t>
                       </a:r>
                     </a:p>
                   </a:txBody>
@@ -5426,6 +5302,130 @@
                       <a:headEnd type="none" w="med" len="med"/>
                       <a:tailEnd type="none" w="med" len="med"/>
                     </a:lnT>
+                    <a:lnB w="28575" cap="flat" cmpd="sng" algn="ctr">
+                      <a:noFill/>
+                      <a:prstDash val="solid"/>
+                      <a:round/>
+                      <a:headEnd type="none" w="med" len="med"/>
+                      <a:tailEnd type="none" w="med" len="med"/>
+                    </a:lnB>
+                    <a:lnTlToBr w="12700" cmpd="sng">
+                      <a:noFill/>
+                      <a:prstDash val="solid"/>
+                    </a:lnTlToBr>
+                    <a:lnBlToTr w="12700" cmpd="sng">
+                      <a:noFill/>
+                      <a:prstDash val="solid"/>
+                    </a:lnBlToTr>
+                    <a:solidFill>
+                      <a:srgbClr val="F7F7F7"/>
+                    </a:solidFill>
+                  </a:tcPr>
+                </a:tc>
+                <a:tc>
+                  <a:txBody>
+                    <a:bodyPr/>
+                    <a:lstStyle/>
+                    <a:p>
+                      <a:pPr algn="ctr"/>
+                      <a:r>
+                        <a:rPr lang="en-US" sz="1700" b="0" dirty="0">
+                          <a:solidFill>
+                            <a:schemeClr val="bg1">
+                              <a:lumMod val="75000"/>
+                            </a:schemeClr>
+                          </a:solidFill>
+                          <a:latin typeface="Times New Roman" panose="02020603050405020304" pitchFamily="18" charset="0"/>
+                          <a:cs typeface="Times New Roman" panose="02020603050405020304" pitchFamily="18" charset="0"/>
+                        </a:rPr>
+                        <a:t>1.5744927</a:t>
+                      </a:r>
+                    </a:p>
+                  </a:txBody>
+                  <a:tcPr marL="0" marR="0" marT="0" marB="0" anchor="ctr">
+                    <a:lnL w="12700" cap="flat" cmpd="sng" algn="ctr">
+                      <a:noFill/>
+                      <a:prstDash val="solid"/>
+                      <a:round/>
+                      <a:headEnd type="none" w="med" len="med"/>
+                      <a:tailEnd type="none" w="med" len="med"/>
+                    </a:lnL>
+                    <a:lnR w="12700" cap="flat" cmpd="sng" algn="ctr">
+                      <a:noFill/>
+                      <a:prstDash val="solid"/>
+                      <a:round/>
+                      <a:headEnd type="none" w="med" len="med"/>
+                      <a:tailEnd type="none" w="med" len="med"/>
+                    </a:lnR>
+                    <a:lnT w="12700" cap="flat" cmpd="sng" algn="ctr">
+                      <a:noFill/>
+                      <a:prstDash val="solid"/>
+                      <a:round/>
+                      <a:headEnd type="none" w="med" len="med"/>
+                      <a:tailEnd type="none" w="med" len="med"/>
+                    </a:lnT>
+                    <a:lnB w="28575" cap="flat" cmpd="sng" algn="ctr">
+                      <a:noFill/>
+                      <a:prstDash val="solid"/>
+                      <a:round/>
+                      <a:headEnd type="none" w="med" len="med"/>
+                      <a:tailEnd type="none" w="med" len="med"/>
+                    </a:lnB>
+                    <a:lnTlToBr w="12700" cmpd="sng">
+                      <a:noFill/>
+                      <a:prstDash val="solid"/>
+                    </a:lnTlToBr>
+                    <a:lnBlToTr w="12700" cmpd="sng">
+                      <a:noFill/>
+                      <a:prstDash val="solid"/>
+                    </a:lnBlToTr>
+                    <a:solidFill>
+                      <a:srgbClr val="F7F7F7"/>
+                    </a:solidFill>
+                  </a:tcPr>
+                </a:tc>
+                <a:tc>
+                  <a:txBody>
+                    <a:bodyPr/>
+                    <a:lstStyle/>
+                    <a:p>
+                      <a:pPr algn="ctr"/>
+                      <a:r>
+                        <a:rPr lang="en-US" sz="1700" b="0" dirty="0">
+                          <a:solidFill>
+                            <a:schemeClr val="bg1">
+                              <a:lumMod val="75000"/>
+                            </a:schemeClr>
+                          </a:solidFill>
+                          <a:latin typeface="Times New Roman" panose="02020603050405020304" pitchFamily="18" charset="0"/>
+                          <a:cs typeface="Times New Roman" panose="02020603050405020304" pitchFamily="18" charset="0"/>
+                        </a:rPr>
+                        <a:t>…</a:t>
+                      </a:r>
+                    </a:p>
+                  </a:txBody>
+                  <a:tcPr marL="0" marR="0" marT="0" marB="0" anchor="ctr">
+                    <a:lnL w="12700" cap="flat" cmpd="sng" algn="ctr">
+                      <a:noFill/>
+                      <a:prstDash val="solid"/>
+                      <a:round/>
+                      <a:headEnd type="none" w="med" len="med"/>
+                      <a:tailEnd type="none" w="med" len="med"/>
+                    </a:lnL>
+                    <a:lnR w="12700" cap="flat" cmpd="sng" algn="ctr">
+                      <a:noFill/>
+                      <a:prstDash val="solid"/>
+                      <a:round/>
+                      <a:headEnd type="none" w="med" len="med"/>
+                      <a:tailEnd type="none" w="med" len="med"/>
+                    </a:lnR>
+                    <a:lnT w="12700" cap="flat" cmpd="sng" algn="ctr">
+                      <a:noFill/>
+                      <a:prstDash val="solid"/>
+                      <a:round/>
+                      <a:headEnd type="none" w="med" len="med"/>
+                      <a:tailEnd type="none" w="med" len="med"/>
+                    </a:lnT>
                     <a:lnB w="12700" cap="flat" cmpd="sng" algn="ctr">
                       <a:noFill/>
                       <a:prstDash val="solid"/>
@@ -5728,11 +5728,7 @@
             <a:graphicFrameLocks noGrp="1"/>
           </p:cNvGraphicFramePr>
           <p:nvPr>
-            <p:extLst>
-              <p:ext uri="{D42A27DB-BD31-4B8C-83A1-F6EECF244321}">
-                <p14:modId xmlns:p14="http://schemas.microsoft.com/office/powerpoint/2010/main" val="2657047555"/>
-              </p:ext>
-            </p:extLst>
+            <p:extLst/>
           </p:nvPr>
         </p:nvGraphicFramePr>
         <p:xfrm>
@@ -7551,7 +7547,7 @@
                           <a:latin typeface="Times New Roman" panose="02020603050405020304" pitchFamily="18" charset="0"/>
                           <a:cs typeface="Times New Roman" panose="02020603050405020304" pitchFamily="18" charset="0"/>
                         </a:rPr>
-                        <a:t>0.22760318</a:t>
+                        <a:t>0.00000000</a:t>
                       </a:r>
                     </a:p>
                   </a:txBody>
@@ -8110,7 +8106,7 @@
     </p:spTree>
     <p:extLst>
       <p:ext uri="{BB962C8B-B14F-4D97-AF65-F5344CB8AC3E}">
-        <p14:creationId xmlns:p14="http://schemas.microsoft.com/office/powerpoint/2010/main" val="3121708270"/>
+        <p14:creationId xmlns:p14="http://schemas.microsoft.com/office/powerpoint/2010/main" val="3694937945"/>
       </p:ext>
     </p:extLst>
   </p:cSld>

--- a/Vega Presentation Slides.pptx
+++ b/Vega Presentation Slides.pptx
@@ -12,7 +12,7 @@
     <p:sldId id="256" r:id="rId3"/>
     <p:sldId id="262" r:id="rId4"/>
     <p:sldId id="263" r:id="rId5"/>
-    <p:sldId id="265" r:id="rId6"/>
+    <p:sldId id="266" r:id="rId6"/>
     <p:sldId id="257" r:id="rId7"/>
     <p:sldId id="259" r:id="rId8"/>
   </p:sldIdLst>
@@ -742,6 +742,9 @@
             <a:avLst/>
           </a:prstGeom>
           <a:noFill/>
+          <a:effectLst>
+            <a:reflection blurRad="6350" stA="50000" endA="300" endPos="55000" dir="5400000" sy="-100000" algn="bl" rotWithShape="0"/>
+          </a:effectLst>
         </p:spPr>
         <p:txBody>
           <a:bodyPr wrap="none" rtlCol="0">
@@ -2188,15 +2191,20 @@
             <p:ph type="subTitle" idx="1"/>
           </p:nvPr>
         </p:nvSpPr>
-        <p:spPr/>
+        <p:spPr>
+          <a:xfrm>
+            <a:off x="425963" y="3602038"/>
+            <a:ext cx="11199980" cy="2387600"/>
+          </a:xfrm>
+        </p:spPr>
         <p:txBody>
           <a:bodyPr>
-            <a:normAutofit fontScale="62500" lnSpcReduction="20000"/>
+            <a:noAutofit/>
           </a:bodyPr>
           <a:lstStyle/>
           <a:p>
             <a:r>
-              <a:rPr lang="en-US" sz="5100" cap="small" dirty="0"/>
+              <a:rPr lang="en-US" sz="3600" cap="small" dirty="0"/>
               <a:t>Magnetospheric Multiscale Mission </a:t>
             </a:r>
           </a:p>
@@ -2205,23 +2213,23 @@
           </a:p>
           <a:p>
             <a:r>
-              <a:rPr lang="en-US" i="1" dirty="0" err="1"/>
+              <a:rPr lang="en-US" sz="2000" i="1" dirty="0" err="1"/>
               <a:t>Daroc</a:t>
             </a:r>
             <a:r>
-              <a:rPr lang="en-US" i="1" dirty="0"/>
+              <a:rPr lang="en-US" sz="2000" i="1" dirty="0"/>
               <a:t> Alden</a:t>
             </a:r>
           </a:p>
           <a:p>
             <a:r>
-              <a:rPr lang="en-US" i="1" dirty="0"/>
+              <a:rPr lang="en-US" sz="2000" i="1" dirty="0"/>
               <a:t>Samantha Piatt</a:t>
             </a:r>
           </a:p>
           <a:p>
             <a:r>
-              <a:rPr lang="en-US" i="1" dirty="0"/>
+              <a:rPr lang="en-US" sz="2000" i="1" dirty="0"/>
               <a:t> Jeremy Walker</a:t>
             </a:r>
           </a:p>
@@ -3475,7 +3483,7 @@
           <p:nvPr>
             <p:extLst>
               <p:ext uri="{D42A27DB-BD31-4B8C-83A1-F6EECF244321}">
-                <p14:modId xmlns:p14="http://schemas.microsoft.com/office/powerpoint/2010/main" val="606115314"/>
+                <p14:modId xmlns:p14="http://schemas.microsoft.com/office/powerpoint/2010/main" val="1880181815"/>
               </p:ext>
             </p:extLst>
           </p:nvPr>
@@ -5492,7 +5500,7 @@
                       <a:headEnd type="none" w="med" len="med"/>
                       <a:tailEnd type="none" w="med" len="med"/>
                     </a:lnT>
-                    <a:lnB w="19050" cap="flat" cmpd="sng" algn="ctr">
+                    <a:lnB w="28575" cap="flat" cmpd="sng" algn="ctr">
                       <a:solidFill>
                         <a:schemeClr val="tx1"/>
                       </a:solidFill>
@@ -5551,7 +5559,7 @@
                       <a:headEnd type="none" w="med" len="med"/>
                       <a:tailEnd type="none" w="med" len="med"/>
                     </a:lnT>
-                    <a:lnB w="19050" cap="flat" cmpd="sng" algn="ctr">
+                    <a:lnB w="28575" cap="flat" cmpd="sng" algn="ctr">
                       <a:solidFill>
                         <a:schemeClr val="tx1"/>
                       </a:solidFill>
@@ -5610,7 +5618,7 @@
                       <a:headEnd type="none" w="med" len="med"/>
                       <a:tailEnd type="none" w="med" len="med"/>
                     </a:lnT>
-                    <a:lnB w="19050" cap="flat" cmpd="sng" algn="ctr">
+                    <a:lnB w="28575" cap="flat" cmpd="sng" algn="ctr">
                       <a:solidFill>
                         <a:schemeClr val="tx1"/>
                       </a:solidFill>
@@ -5685,7 +5693,7 @@
                       <a:headEnd type="none" w="med" len="med"/>
                       <a:tailEnd type="none" w="med" len="med"/>
                     </a:lnT>
-                    <a:lnB w="19050" cap="flat" cmpd="sng" algn="ctr">
+                    <a:lnB w="28575" cap="flat" cmpd="sng" algn="ctr">
                       <a:solidFill>
                         <a:schemeClr val="tx1"/>
                       </a:solidFill>
@@ -5728,7 +5736,11 @@
             <a:graphicFrameLocks noGrp="1"/>
           </p:cNvGraphicFramePr>
           <p:nvPr>
-            <p:extLst/>
+            <p:extLst>
+              <p:ext uri="{D42A27DB-BD31-4B8C-83A1-F6EECF244321}">
+                <p14:modId xmlns:p14="http://schemas.microsoft.com/office/powerpoint/2010/main" val="1035393305"/>
+              </p:ext>
+            </p:extLst>
           </p:nvPr>
         </p:nvGraphicFramePr>
         <p:xfrm>
@@ -8106,7 +8118,7 @@
     </p:spTree>
     <p:extLst>
       <p:ext uri="{BB962C8B-B14F-4D97-AF65-F5344CB8AC3E}">
-        <p14:creationId xmlns:p14="http://schemas.microsoft.com/office/powerpoint/2010/main" val="3694937945"/>
+        <p14:creationId xmlns:p14="http://schemas.microsoft.com/office/powerpoint/2010/main" val="4084968647"/>
       </p:ext>
     </p:extLst>
   </p:cSld>
@@ -8287,7 +8299,7 @@
         </p:blipFill>
         <p:spPr>
           <a:xfrm>
-            <a:off x="838200" y="3866479"/>
+            <a:off x="838200" y="3511801"/>
             <a:ext cx="10515600" cy="2626396"/>
           </a:xfrm>
           <a:prstGeom prst="rect">
@@ -8317,7 +8329,7 @@
         </p:blipFill>
         <p:spPr>
           <a:xfrm>
-            <a:off x="838199" y="1912036"/>
+            <a:off x="832657" y="1906494"/>
             <a:ext cx="10515599" cy="1079485"/>
           </a:xfrm>
           <a:prstGeom prst="rect">

--- a/Vega Presentation Slides.pptx
+++ b/Vega Presentation Slides.pptx
@@ -6,15 +6,14 @@
     <p:sldMasterId id="2147483654" r:id="rId2"/>
   </p:sldMasterIdLst>
   <p:handoutMasterIdLst>
-    <p:handoutMasterId r:id="rId9"/>
+    <p:handoutMasterId r:id="rId8"/>
   </p:handoutMasterIdLst>
   <p:sldIdLst>
     <p:sldId id="256" r:id="rId3"/>
-    <p:sldId id="262" r:id="rId4"/>
-    <p:sldId id="263" r:id="rId5"/>
-    <p:sldId id="266" r:id="rId6"/>
-    <p:sldId id="257" r:id="rId7"/>
-    <p:sldId id="259" r:id="rId8"/>
+    <p:sldId id="263" r:id="rId4"/>
+    <p:sldId id="266" r:id="rId5"/>
+    <p:sldId id="257" r:id="rId6"/>
+    <p:sldId id="259" r:id="rId7"/>
   </p:sldIdLst>
   <p:sldSz cx="12192000" cy="6858000"/>
   <p:notesSz cx="6858000" cy="9144000"/>
@@ -2267,350 +2266,6 @@
       </p:grpSpPr>
       <p:sp>
         <p:nvSpPr>
-          <p:cNvPr id="3" name="Title 2">
-            <a:extLst>
-              <a:ext uri="{FF2B5EF4-FFF2-40B4-BE49-F238E27FC236}">
-                <a16:creationId xmlns:a16="http://schemas.microsoft.com/office/drawing/2014/main" id="{BFF0DBD9-6B16-4E56-9C50-C97269B34EFB}"/>
-              </a:ext>
-            </a:extLst>
-          </p:cNvPr>
-          <p:cNvSpPr>
-            <a:spLocks noGrp="1"/>
-          </p:cNvSpPr>
-          <p:nvPr>
-            <p:ph type="title"/>
-          </p:nvPr>
-        </p:nvSpPr>
-        <p:spPr/>
-        <p:txBody>
-          <a:bodyPr/>
-          <a:lstStyle/>
-          <a:p>
-            <a:r>
-              <a:rPr lang="en-US" dirty="0"/>
-              <a:t>Data Exploration</a:t>
-            </a:r>
-          </a:p>
-        </p:txBody>
-      </p:sp>
-      <p:sp>
-        <p:nvSpPr>
-          <p:cNvPr id="4" name="Content Placeholder 7">
-            <a:extLst>
-              <a:ext uri="{FF2B5EF4-FFF2-40B4-BE49-F238E27FC236}">
-                <a16:creationId xmlns:a16="http://schemas.microsoft.com/office/drawing/2014/main" id="{26DB6398-8CB7-4950-A6DC-F4537FE95A55}"/>
-              </a:ext>
-            </a:extLst>
-          </p:cNvPr>
-          <p:cNvSpPr txBox="1">
-            <a:spLocks/>
-          </p:cNvSpPr>
-          <p:nvPr/>
-        </p:nvSpPr>
-        <p:spPr>
-          <a:xfrm>
-            <a:off x="838198" y="1825625"/>
-            <a:ext cx="3375993" cy="4541098"/>
-          </a:xfrm>
-          <a:prstGeom prst="rect">
-            <a:avLst/>
-          </a:prstGeom>
-        </p:spPr>
-        <p:txBody>
-          <a:bodyPr anchor="ctr"/>
-          <a:lstStyle>
-            <a:lvl1pPr marL="228600" indent="-228600" algn="l" defTabSz="914400" rtl="0" eaLnBrk="1" latinLnBrk="0" hangingPunct="1">
-              <a:lnSpc>
-                <a:spcPct val="90000"/>
-              </a:lnSpc>
-              <a:spcBef>
-                <a:spcPts val="1000"/>
-              </a:spcBef>
-              <a:buFont typeface="Arial" panose="020B0604020202020204" pitchFamily="34" charset="0"/>
-              <a:buChar char="•"/>
-              <a:defRPr sz="2800" kern="1200">
-                <a:solidFill>
-                  <a:schemeClr val="tx1"/>
-                </a:solidFill>
-                <a:latin typeface="+mn-lt"/>
-                <a:ea typeface="+mn-ea"/>
-                <a:cs typeface="+mn-cs"/>
-              </a:defRPr>
-            </a:lvl1pPr>
-            <a:lvl2pPr marL="685800" indent="-228600" algn="l" defTabSz="914400" rtl="0" eaLnBrk="1" latinLnBrk="0" hangingPunct="1">
-              <a:lnSpc>
-                <a:spcPct val="90000"/>
-              </a:lnSpc>
-              <a:spcBef>
-                <a:spcPts val="500"/>
-              </a:spcBef>
-              <a:buFont typeface="Arial" panose="020B0604020202020204" pitchFamily="34" charset="0"/>
-              <a:buChar char="•"/>
-              <a:defRPr sz="2400" kern="1200">
-                <a:solidFill>
-                  <a:schemeClr val="tx1"/>
-                </a:solidFill>
-                <a:latin typeface="+mn-lt"/>
-                <a:ea typeface="+mn-ea"/>
-                <a:cs typeface="+mn-cs"/>
-              </a:defRPr>
-            </a:lvl2pPr>
-            <a:lvl3pPr marL="1143000" indent="-228600" algn="l" defTabSz="914400" rtl="0" eaLnBrk="1" latinLnBrk="0" hangingPunct="1">
-              <a:lnSpc>
-                <a:spcPct val="90000"/>
-              </a:lnSpc>
-              <a:spcBef>
-                <a:spcPts val="500"/>
-              </a:spcBef>
-              <a:buFont typeface="Arial" panose="020B0604020202020204" pitchFamily="34" charset="0"/>
-              <a:buChar char="•"/>
-              <a:defRPr sz="2000" kern="1200">
-                <a:solidFill>
-                  <a:schemeClr val="tx1"/>
-                </a:solidFill>
-                <a:latin typeface="+mn-lt"/>
-                <a:ea typeface="+mn-ea"/>
-                <a:cs typeface="+mn-cs"/>
-              </a:defRPr>
-            </a:lvl3pPr>
-            <a:lvl4pPr marL="1600200" indent="-228600" algn="l" defTabSz="914400" rtl="0" eaLnBrk="1" latinLnBrk="0" hangingPunct="1">
-              <a:lnSpc>
-                <a:spcPct val="90000"/>
-              </a:lnSpc>
-              <a:spcBef>
-                <a:spcPts val="500"/>
-              </a:spcBef>
-              <a:buFont typeface="Arial" panose="020B0604020202020204" pitchFamily="34" charset="0"/>
-              <a:buChar char="•"/>
-              <a:defRPr sz="1800" kern="1200">
-                <a:solidFill>
-                  <a:schemeClr val="tx1"/>
-                </a:solidFill>
-                <a:latin typeface="+mn-lt"/>
-                <a:ea typeface="+mn-ea"/>
-                <a:cs typeface="+mn-cs"/>
-              </a:defRPr>
-            </a:lvl4pPr>
-            <a:lvl5pPr marL="2057400" indent="-228600" algn="l" defTabSz="914400" rtl="0" eaLnBrk="1" latinLnBrk="0" hangingPunct="1">
-              <a:lnSpc>
-                <a:spcPct val="90000"/>
-              </a:lnSpc>
-              <a:spcBef>
-                <a:spcPts val="500"/>
-              </a:spcBef>
-              <a:buFont typeface="Arial" panose="020B0604020202020204" pitchFamily="34" charset="0"/>
-              <a:buChar char="•"/>
-              <a:defRPr sz="1800" kern="1200">
-                <a:solidFill>
-                  <a:schemeClr val="tx1"/>
-                </a:solidFill>
-                <a:latin typeface="+mn-lt"/>
-                <a:ea typeface="+mn-ea"/>
-                <a:cs typeface="+mn-cs"/>
-              </a:defRPr>
-            </a:lvl5pPr>
-            <a:lvl6pPr marL="2514600" indent="-228600" algn="l" defTabSz="914400" rtl="0" eaLnBrk="1" latinLnBrk="0" hangingPunct="1">
-              <a:lnSpc>
-                <a:spcPct val="90000"/>
-              </a:lnSpc>
-              <a:spcBef>
-                <a:spcPts val="500"/>
-              </a:spcBef>
-              <a:buFont typeface="Arial" panose="020B0604020202020204" pitchFamily="34" charset="0"/>
-              <a:buChar char="•"/>
-              <a:defRPr sz="1800" kern="1200">
-                <a:solidFill>
-                  <a:schemeClr val="tx1"/>
-                </a:solidFill>
-                <a:latin typeface="+mn-lt"/>
-                <a:ea typeface="+mn-ea"/>
-                <a:cs typeface="+mn-cs"/>
-              </a:defRPr>
-            </a:lvl6pPr>
-            <a:lvl7pPr marL="2971800" indent="-228600" algn="l" defTabSz="914400" rtl="0" eaLnBrk="1" latinLnBrk="0" hangingPunct="1">
-              <a:lnSpc>
-                <a:spcPct val="90000"/>
-              </a:lnSpc>
-              <a:spcBef>
-                <a:spcPts val="500"/>
-              </a:spcBef>
-              <a:buFont typeface="Arial" panose="020B0604020202020204" pitchFamily="34" charset="0"/>
-              <a:buChar char="•"/>
-              <a:defRPr sz="1800" kern="1200">
-                <a:solidFill>
-                  <a:schemeClr val="tx1"/>
-                </a:solidFill>
-                <a:latin typeface="+mn-lt"/>
-                <a:ea typeface="+mn-ea"/>
-                <a:cs typeface="+mn-cs"/>
-              </a:defRPr>
-            </a:lvl7pPr>
-            <a:lvl8pPr marL="3429000" indent="-228600" algn="l" defTabSz="914400" rtl="0" eaLnBrk="1" latinLnBrk="0" hangingPunct="1">
-              <a:lnSpc>
-                <a:spcPct val="90000"/>
-              </a:lnSpc>
-              <a:spcBef>
-                <a:spcPts val="500"/>
-              </a:spcBef>
-              <a:buFont typeface="Arial" panose="020B0604020202020204" pitchFamily="34" charset="0"/>
-              <a:buChar char="•"/>
-              <a:defRPr sz="1800" kern="1200">
-                <a:solidFill>
-                  <a:schemeClr val="tx1"/>
-                </a:solidFill>
-                <a:latin typeface="+mn-lt"/>
-                <a:ea typeface="+mn-ea"/>
-                <a:cs typeface="+mn-cs"/>
-              </a:defRPr>
-            </a:lvl8pPr>
-            <a:lvl9pPr marL="3886200" indent="-228600" algn="l" defTabSz="914400" rtl="0" eaLnBrk="1" latinLnBrk="0" hangingPunct="1">
-              <a:lnSpc>
-                <a:spcPct val="90000"/>
-              </a:lnSpc>
-              <a:spcBef>
-                <a:spcPts val="500"/>
-              </a:spcBef>
-              <a:buFont typeface="Arial" panose="020B0604020202020204" pitchFamily="34" charset="0"/>
-              <a:buChar char="•"/>
-              <a:defRPr sz="1800" kern="1200">
-                <a:solidFill>
-                  <a:schemeClr val="tx1"/>
-                </a:solidFill>
-                <a:latin typeface="+mn-lt"/>
-                <a:ea typeface="+mn-ea"/>
-                <a:cs typeface="+mn-cs"/>
-              </a:defRPr>
-            </a:lvl9pPr>
-          </a:lstStyle>
-          <a:p>
-            <a:pPr marL="0" indent="0" algn="ctr">
-              <a:buFont typeface="Arial" panose="020B0604020202020204" pitchFamily="34" charset="0"/>
-              <a:buNone/>
-            </a:pPr>
-            <a:r>
-              <a:rPr lang="en-US" dirty="0"/>
-              <a:t>We found that the data did not follow the </a:t>
-            </a:r>
-            <a:r>
-              <a:rPr lang="en-US" dirty="0" err="1">
-                <a:solidFill>
-                  <a:srgbClr val="591D91"/>
-                </a:solidFill>
-              </a:rPr>
-              <a:t>i.i.d</a:t>
-            </a:r>
-            <a:r>
-              <a:rPr lang="en-US" dirty="0">
-                <a:solidFill>
-                  <a:srgbClr val="591D91"/>
-                </a:solidFill>
-              </a:rPr>
-              <a:t>. assumption</a:t>
-            </a:r>
-            <a:r>
-              <a:rPr lang="en-US" dirty="0"/>
-              <a:t>.</a:t>
-            </a:r>
-          </a:p>
-          <a:p>
-            <a:pPr marL="0" indent="0" algn="ctr">
-              <a:buFont typeface="Arial" panose="020B0604020202020204" pitchFamily="34" charset="0"/>
-              <a:buNone/>
-            </a:pPr>
-            <a:endParaRPr lang="en-US" dirty="0"/>
-          </a:p>
-          <a:p>
-            <a:pPr marL="0" indent="0" algn="ctr">
-              <a:buFont typeface="Arial" panose="020B0604020202020204" pitchFamily="34" charset="0"/>
-              <a:buNone/>
-            </a:pPr>
-            <a:r>
-              <a:rPr lang="en-US" dirty="0"/>
-              <a:t>We hypothesized that we should be treating it as a </a:t>
-            </a:r>
-            <a:r>
-              <a:rPr lang="en-US" dirty="0">
-                <a:solidFill>
-                  <a:srgbClr val="591D91"/>
-                </a:solidFill>
-              </a:rPr>
-              <a:t>Time Series</a:t>
-            </a:r>
-            <a:r>
-              <a:rPr lang="en-US" dirty="0"/>
-              <a:t>.</a:t>
-            </a:r>
-          </a:p>
-        </p:txBody>
-      </p:sp>
-      <p:pic>
-        <p:nvPicPr>
-          <p:cNvPr id="5" name="Content Placeholder 6">
-            <a:extLst>
-              <a:ext uri="{FF2B5EF4-FFF2-40B4-BE49-F238E27FC236}">
-                <a16:creationId xmlns:a16="http://schemas.microsoft.com/office/drawing/2014/main" id="{84B4C1FC-40C2-4B5A-BD4C-62C75CB985EA}"/>
-              </a:ext>
-            </a:extLst>
-          </p:cNvPr>
-          <p:cNvPicPr>
-            <a:picLocks noChangeAspect="1"/>
-          </p:cNvPicPr>
-          <p:nvPr/>
-        </p:nvPicPr>
-        <p:blipFill>
-          <a:blip r:embed="rId2">
-            <a:extLst>
-              <a:ext uri="{28A0092B-C50C-407E-A947-70E740481C1C}">
-                <a14:useLocalDpi xmlns:a14="http://schemas.microsoft.com/office/drawing/2010/main" val="0"/>
-              </a:ext>
-            </a:extLst>
-          </a:blip>
-          <a:stretch>
-            <a:fillRect/>
-          </a:stretch>
-        </p:blipFill>
-        <p:spPr>
-          <a:xfrm>
-            <a:off x="4687810" y="2005063"/>
-            <a:ext cx="6665990" cy="4114808"/>
-          </a:xfrm>
-          <a:prstGeom prst="rect">
-            <a:avLst/>
-          </a:prstGeom>
-        </p:spPr>
-      </p:pic>
-    </p:spTree>
-    <p:extLst>
-      <p:ext uri="{BB962C8B-B14F-4D97-AF65-F5344CB8AC3E}">
-        <p14:creationId xmlns:p14="http://schemas.microsoft.com/office/powerpoint/2010/main" val="1405551042"/>
-      </p:ext>
-    </p:extLst>
-  </p:cSld>
-  <p:clrMapOvr>
-    <a:masterClrMapping/>
-  </p:clrMapOvr>
-</p:sld>
-</file>
-
-<file path=ppt/slides/slide3.xml><?xml version="1.0" encoding="utf-8"?>
-<p:sld xmlns:a="http://schemas.openxmlformats.org/drawingml/2006/main" xmlns:r="http://schemas.openxmlformats.org/officeDocument/2006/relationships" xmlns:p="http://schemas.openxmlformats.org/presentationml/2006/main">
-  <p:cSld>
-    <p:spTree>
-      <p:nvGrpSpPr>
-        <p:cNvPr id="1" name=""/>
-        <p:cNvGrpSpPr/>
-        <p:nvPr/>
-      </p:nvGrpSpPr>
-      <p:grpSpPr>
-        <a:xfrm>
-          <a:off x="0" y="0"/>
-          <a:ext cx="0" cy="0"/>
-          <a:chOff x="0" y="0"/>
-          <a:chExt cx="0" cy="0"/>
-        </a:xfrm>
-      </p:grpSpPr>
-      <p:sp>
-        <p:nvSpPr>
           <p:cNvPr id="3" name="Content Placeholder 2">
             <a:extLst>
               <a:ext uri="{FF2B5EF4-FFF2-40B4-BE49-F238E27FC236}">
@@ -2716,7 +2371,7 @@
 </p:sld>
 </file>
 
-<file path=ppt/slides/slide4.xml><?xml version="1.0" encoding="utf-8"?>
+<file path=ppt/slides/slide3.xml><?xml version="1.0" encoding="utf-8"?>
 <p:sld xmlns:a="http://schemas.openxmlformats.org/drawingml/2006/main" xmlns:r="http://schemas.openxmlformats.org/officeDocument/2006/relationships" xmlns:p="http://schemas.openxmlformats.org/presentationml/2006/main">
   <p:cSld>
     <p:spTree>
@@ -8128,7 +7783,7 @@
 </p:sld>
 </file>
 
-<file path=ppt/slides/slide5.xml><?xml version="1.0" encoding="utf-8"?>
+<file path=ppt/slides/slide4.xml><?xml version="1.0" encoding="utf-8"?>
 <p:sld xmlns:a="http://schemas.openxmlformats.org/drawingml/2006/main" xmlns:r="http://schemas.openxmlformats.org/officeDocument/2006/relationships" xmlns:p="http://schemas.openxmlformats.org/presentationml/2006/main">
   <p:cSld>
     <p:spTree>
@@ -8222,7 +7877,7 @@
 </p:sld>
 </file>
 
-<file path=ppt/slides/slide6.xml><?xml version="1.0" encoding="utf-8"?>
+<file path=ppt/slides/slide5.xml><?xml version="1.0" encoding="utf-8"?>
 <p:sld xmlns:a="http://schemas.openxmlformats.org/drawingml/2006/main" xmlns:r="http://schemas.openxmlformats.org/officeDocument/2006/relationships" xmlns:p="http://schemas.openxmlformats.org/presentationml/2006/main">
   <p:cSld>
     <p:spTree>
